--- a/9) 회원관리프로그램.pptx
+++ b/9) 회원관리프로그램.pptx
@@ -10,8 +10,8 @@
     <p:sldId id="274" r:id="rId4"/>
     <p:sldId id="275" r:id="rId5"/>
     <p:sldId id="276" r:id="rId6"/>
-    <p:sldId id="277" r:id="rId7"/>
-    <p:sldId id="278" r:id="rId8"/>
+    <p:sldId id="278" r:id="rId7"/>
+    <p:sldId id="277" r:id="rId8"/>
     <p:sldId id="262" r:id="rId9"/>
   </p:sldIdLst>
   <p:sldSz cx="12192000" cy="6858000"/>
@@ -4554,6 +4554,16 @@
 <file path=ppt/slides/slide3.xml><?xml version="1.0" encoding="utf-8"?>
 <p:sld xmlns:a="http://schemas.openxmlformats.org/drawingml/2006/main" xmlns:r="http://schemas.openxmlformats.org/officeDocument/2006/relationships" xmlns:p="http://schemas.openxmlformats.org/presentationml/2006/main">
   <p:cSld>
+    <p:bg>
+      <p:bgPr>
+        <a:solidFill>
+          <a:schemeClr val="bg1">
+            <a:lumMod val="95000"/>
+          </a:schemeClr>
+        </a:solidFill>
+        <a:effectLst/>
+      </p:bgPr>
+    </p:bg>
     <p:spTree>
       <p:nvGrpSpPr>
         <p:cNvPr id="1" name=""/>
@@ -4889,7 +4899,7 @@
             <a:pPr algn="ctr"/>
             <a:r>
               <a:rPr lang="en-US" altLang="ko-KR" dirty="0" err="1"/>
-              <a:t>MemberRun</a:t>
+              <a:t>MemberController</a:t>
             </a:r>
             <a:endParaRPr lang="ko-KR" altLang="en-US" dirty="0"/>
           </a:p>
@@ -4939,7 +4949,7 @@
             <a:pPr algn="ctr"/>
             <a:r>
               <a:rPr lang="en-US" altLang="ko-KR" dirty="0" err="1"/>
-              <a:t>MemberController</a:t>
+              <a:t>MemberService</a:t>
             </a:r>
             <a:endParaRPr lang="ko-KR" altLang="en-US" dirty="0"/>
           </a:p>
@@ -4989,9 +4999,9 @@
             <a:pPr algn="ctr"/>
             <a:r>
               <a:rPr lang="en-US" altLang="ko-KR" dirty="0" err="1"/>
-              <a:t>MemberView</a:t>
-            </a:r>
-            <a:endParaRPr lang="ko-KR" altLang="en-US" dirty="0"/>
+              <a:t>MemberDAO</a:t>
+            </a:r>
+            <a:endParaRPr lang="en-US" altLang="ko-KR" dirty="0"/>
           </a:p>
         </p:txBody>
       </p:sp>
@@ -5133,10 +5143,9 @@
           <a:p>
             <a:pPr algn="ctr"/>
             <a:r>
-              <a:rPr lang="ko-KR" altLang="en-US"/>
-              <a:t>회원 모델</a:t>
-            </a:r>
-            <a:endParaRPr lang="ko-KR" altLang="en-US" dirty="0"/>
+              <a:rPr lang="ko-KR" altLang="en-US" dirty="0"/>
+              <a:t>회원 데이터 객체</a:t>
+            </a:r>
           </a:p>
         </p:txBody>
       </p:sp>
@@ -5182,16 +5191,25 @@
             <a:pPr algn="ctr"/>
             <a:r>
               <a:rPr lang="ko-KR" altLang="en-US" dirty="0"/>
-              <a:t>회원 정보 관리</a:t>
+              <a:t>비지니스 로직 구현</a:t>
             </a:r>
             <a:endParaRPr lang="en-US" altLang="ko-KR" dirty="0"/>
           </a:p>
           <a:p>
             <a:pPr algn="ctr"/>
             <a:r>
+              <a:rPr lang="en-US" altLang="ko-KR" dirty="0"/>
+              <a:t>(</a:t>
+            </a:r>
+            <a:r>
               <a:rPr lang="ko-KR" altLang="en-US" dirty="0"/>
-              <a:t>프로그램 컨트롤</a:t>
-            </a:r>
+              <a:t>수행 코드</a:t>
+            </a:r>
+            <a:r>
+              <a:rPr lang="en-US" altLang="ko-KR" dirty="0"/>
+              <a:t>)</a:t>
+            </a:r>
+            <a:endParaRPr lang="ko-KR" altLang="en-US" dirty="0"/>
           </a:p>
         </p:txBody>
       </p:sp>
@@ -5237,7 +5255,7 @@
             <a:pPr algn="ctr"/>
             <a:r>
               <a:rPr lang="ko-KR" altLang="en-US" dirty="0"/>
-              <a:t>비지니스 로직 구현</a:t>
+              <a:t>데이터 관리</a:t>
             </a:r>
             <a:endParaRPr lang="en-US" altLang="ko-KR" dirty="0"/>
           </a:p>
@@ -5245,15 +5263,11 @@
             <a:pPr algn="ctr"/>
             <a:r>
               <a:rPr lang="en-US" altLang="ko-KR" dirty="0"/>
-              <a:t>(</a:t>
-            </a:r>
-            <a:r>
-              <a:rPr lang="ko-KR" altLang="en-US" dirty="0"/>
-              <a:t>수행 코드</a:t>
-            </a:r>
-            <a:r>
-              <a:rPr lang="en-US" altLang="ko-KR" dirty="0"/>
-              <a:t>)</a:t>
+              <a:t>(Data </a:t>
+            </a:r>
+            <a:r>
+              <a:rPr lang="en-US" altLang="ko-KR"/>
+              <a:t>Access Object)</a:t>
             </a:r>
             <a:endParaRPr lang="ko-KR" altLang="en-US" dirty="0"/>
           </a:p>
@@ -5275,6 +5289,16 @@
 <file path=ppt/slides/slide4.xml><?xml version="1.0" encoding="utf-8"?>
 <p:sld xmlns:a="http://schemas.openxmlformats.org/drawingml/2006/main" xmlns:r="http://schemas.openxmlformats.org/officeDocument/2006/relationships" xmlns:p="http://schemas.openxmlformats.org/presentationml/2006/main">
   <p:cSld>
+    <p:bg>
+      <p:bgPr>
+        <a:solidFill>
+          <a:schemeClr val="bg1">
+            <a:lumMod val="95000"/>
+          </a:schemeClr>
+        </a:solidFill>
+        <a:effectLst/>
+      </p:bgPr>
+    </p:bg>
     <p:spTree>
       <p:nvGrpSpPr>
         <p:cNvPr id="1" name=""/>
@@ -5446,7 +5470,7 @@
           <p:spPr>
             <a:xfrm>
               <a:off x="5203632" y="2171892"/>
-              <a:ext cx="1867023" cy="400110"/>
+              <a:ext cx="3351141" cy="400110"/>
             </a:xfrm>
             <a:prstGeom prst="rect">
               <a:avLst/>
@@ -5485,7 +5509,7 @@
                   <a:latin typeface="맑은 고딕" panose="020B0503020000020004" pitchFamily="50" charset="-127"/>
                   <a:ea typeface="맑은 고딕" panose="020B0503020000020004" pitchFamily="50" charset="-127"/>
                 </a:rPr>
-                <a:t>회원 모델</a:t>
+                <a:t>회원 데이터 객체</a:t>
               </a:r>
             </a:p>
           </p:txBody>
@@ -6100,575 +6124,16 @@
 <file path=ppt/slides/slide5.xml><?xml version="1.0" encoding="utf-8"?>
 <p:sld xmlns:a="http://schemas.openxmlformats.org/drawingml/2006/main" xmlns:r="http://schemas.openxmlformats.org/officeDocument/2006/relationships" xmlns:p="http://schemas.openxmlformats.org/presentationml/2006/main">
   <p:cSld>
-    <p:spTree>
-      <p:nvGrpSpPr>
-        <p:cNvPr id="1" name=""/>
-        <p:cNvGrpSpPr/>
-        <p:nvPr/>
-      </p:nvGrpSpPr>
-      <p:grpSpPr>
-        <a:xfrm>
-          <a:off x="0" y="0"/>
-          <a:ext cx="0" cy="0"/>
-          <a:chOff x="0" y="0"/>
-          <a:chExt cx="0" cy="0"/>
-        </a:xfrm>
-      </p:grpSpPr>
-      <p:grpSp>
-        <p:nvGrpSpPr>
-          <p:cNvPr id="6" name="그룹 5">
-            <a:extLst>
-              <a:ext uri="{FF2B5EF4-FFF2-40B4-BE49-F238E27FC236}">
-                <a16:creationId xmlns:a16="http://schemas.microsoft.com/office/drawing/2014/main" id="{CA7BD838-D4FB-4EA7-B68C-FA7B6D147BA2}"/>
-              </a:ext>
-            </a:extLst>
-          </p:cNvPr>
-          <p:cNvGrpSpPr/>
-          <p:nvPr/>
-        </p:nvGrpSpPr>
-        <p:grpSpPr>
-          <a:xfrm>
-            <a:off x="159191" y="182880"/>
-            <a:ext cx="2789281" cy="854227"/>
-            <a:chOff x="640080" y="-971550"/>
-            <a:chExt cx="1660746" cy="765810"/>
-          </a:xfrm>
-        </p:grpSpPr>
-        <p:sp>
-          <p:nvSpPr>
-            <p:cNvPr id="18" name="TextBox 17">
-              <a:extLst>
-                <a:ext uri="{FF2B5EF4-FFF2-40B4-BE49-F238E27FC236}">
-                  <a16:creationId xmlns:a16="http://schemas.microsoft.com/office/drawing/2014/main" id="{D7B7EE40-BAD9-4569-9BF6-F6E9ACA78A3C}"/>
-                </a:ext>
-              </a:extLst>
-            </p:cNvPr>
-            <p:cNvSpPr txBox="1"/>
-            <p:nvPr/>
-          </p:nvSpPr>
-          <p:spPr>
-            <a:xfrm>
-              <a:off x="682196" y="-727500"/>
-              <a:ext cx="1576513" cy="358697"/>
-            </a:xfrm>
-            <a:prstGeom prst="rect">
-              <a:avLst/>
-            </a:prstGeom>
-            <a:noFill/>
-          </p:spPr>
-          <p:txBody>
-            <a:bodyPr wrap="square" rtlCol="0" anchor="ctr">
-              <a:spAutoFit/>
-            </a:bodyPr>
-            <a:lstStyle/>
-            <a:p>
-              <a:pPr algn="ctr"/>
-              <a:r>
-                <a:rPr lang="ko-KR" altLang="en-US" sz="2000" dirty="0">
-                  <a:ln>
-                    <a:solidFill>
-                      <a:schemeClr val="tx1">
-                        <a:alpha val="30000"/>
-                      </a:schemeClr>
-                    </a:solidFill>
-                  </a:ln>
-                  <a:latin typeface="맑은 고딕" panose="020B0503020000020004" pitchFamily="50" charset="-127"/>
-                  <a:ea typeface="맑은 고딕" panose="020B0503020000020004" pitchFamily="50" charset="-127"/>
-                </a:rPr>
-                <a:t>회원 관리 프로그램</a:t>
-              </a:r>
-            </a:p>
-          </p:txBody>
-        </p:sp>
-        <p:sp>
-          <p:nvSpPr>
-            <p:cNvPr id="5" name="직사각형 4">
-              <a:extLst>
-                <a:ext uri="{FF2B5EF4-FFF2-40B4-BE49-F238E27FC236}">
-                  <a16:creationId xmlns:a16="http://schemas.microsoft.com/office/drawing/2014/main" id="{AB4C8245-D0E4-4D79-B3E9-2FB89CE6FE84}"/>
-                </a:ext>
-              </a:extLst>
-            </p:cNvPr>
-            <p:cNvSpPr/>
-            <p:nvPr/>
-          </p:nvSpPr>
-          <p:spPr>
-            <a:xfrm>
-              <a:off x="640080" y="-971550"/>
-              <a:ext cx="1660746" cy="765810"/>
-            </a:xfrm>
-            <a:prstGeom prst="rect">
-              <a:avLst/>
-            </a:prstGeom>
-            <a:noFill/>
-            <a:ln w="25400">
-              <a:solidFill>
-                <a:schemeClr val="tx1"/>
-              </a:solidFill>
-            </a:ln>
-          </p:spPr>
-          <p:style>
-            <a:lnRef idx="2">
-              <a:schemeClr val="accent1">
-                <a:shade val="50000"/>
-              </a:schemeClr>
-            </a:lnRef>
-            <a:fillRef idx="1">
-              <a:schemeClr val="accent1"/>
-            </a:fillRef>
-            <a:effectRef idx="0">
-              <a:schemeClr val="accent1"/>
-            </a:effectRef>
-            <a:fontRef idx="minor">
-              <a:schemeClr val="lt1"/>
-            </a:fontRef>
-          </p:style>
-          <p:txBody>
-            <a:bodyPr rtlCol="0" anchor="ctr"/>
-            <a:lstStyle/>
-            <a:p>
-              <a:pPr algn="ctr"/>
-              <a:endParaRPr lang="ko-KR" altLang="en-US">
-                <a:latin typeface="맑은 고딕" panose="020B0503020000020004" pitchFamily="50" charset="-127"/>
-                <a:ea typeface="맑은 고딕" panose="020B0503020000020004" pitchFamily="50" charset="-127"/>
-              </a:endParaRPr>
-            </a:p>
-          </p:txBody>
-        </p:sp>
-      </p:grpSp>
-      <p:grpSp>
-        <p:nvGrpSpPr>
-          <p:cNvPr id="2" name="그룹 1">
-            <a:extLst>
-              <a:ext uri="{FF2B5EF4-FFF2-40B4-BE49-F238E27FC236}">
-                <a16:creationId xmlns:a16="http://schemas.microsoft.com/office/drawing/2014/main" id="{0C609F14-8B12-46C7-06B3-E83970B1D94F}"/>
-              </a:ext>
-            </a:extLst>
-          </p:cNvPr>
-          <p:cNvGrpSpPr/>
-          <p:nvPr/>
-        </p:nvGrpSpPr>
-        <p:grpSpPr>
-          <a:xfrm>
-            <a:off x="159191" y="1412673"/>
-            <a:ext cx="8639576" cy="1056743"/>
-            <a:chOff x="5203632" y="2171892"/>
-            <a:chExt cx="5277678" cy="1056743"/>
-          </a:xfrm>
-        </p:grpSpPr>
-        <p:sp>
-          <p:nvSpPr>
-            <p:cNvPr id="8" name="TextBox 7">
-              <a:extLst>
-                <a:ext uri="{FF2B5EF4-FFF2-40B4-BE49-F238E27FC236}">
-                  <a16:creationId xmlns:a16="http://schemas.microsoft.com/office/drawing/2014/main" id="{421F0E9C-5E13-CA75-8837-41BC683AE8EA}"/>
-                </a:ext>
-              </a:extLst>
-            </p:cNvPr>
-            <p:cNvSpPr txBox="1"/>
-            <p:nvPr/>
-          </p:nvSpPr>
-          <p:spPr>
-            <a:xfrm>
-              <a:off x="5203632" y="2171892"/>
-              <a:ext cx="3626632" cy="400110"/>
-            </a:xfrm>
-            <a:prstGeom prst="rect">
-              <a:avLst/>
-            </a:prstGeom>
-            <a:noFill/>
-          </p:spPr>
-          <p:txBody>
-            <a:bodyPr wrap="square" rtlCol="0">
-              <a:spAutoFit/>
-            </a:bodyPr>
-            <a:lstStyle/>
-            <a:p>
-              <a:r>
-                <a:rPr lang="en-US" altLang="ko-KR" sz="2000" dirty="0">
-                  <a:ln>
-                    <a:solidFill>
-                      <a:schemeClr val="tx1">
-                        <a:alpha val="30000"/>
-                      </a:schemeClr>
-                    </a:solidFill>
-                  </a:ln>
-                  <a:latin typeface="맑은 고딕" panose="020B0503020000020004" pitchFamily="50" charset="-127"/>
-                  <a:ea typeface="맑은 고딕" panose="020B0503020000020004" pitchFamily="50" charset="-127"/>
-                </a:rPr>
-                <a:t>MemberRun.java – </a:t>
-              </a:r>
-              <a:r>
-                <a:rPr lang="ko-KR" altLang="en-US" sz="2000" dirty="0">
-                  <a:ln>
-                    <a:solidFill>
-                      <a:schemeClr val="tx1">
-                        <a:alpha val="30000"/>
-                      </a:schemeClr>
-                    </a:solidFill>
-                  </a:ln>
-                  <a:latin typeface="맑은 고딕" panose="020B0503020000020004" pitchFamily="50" charset="-127"/>
-                  <a:ea typeface="맑은 고딕" panose="020B0503020000020004" pitchFamily="50" charset="-127"/>
-                </a:rPr>
-                <a:t>프로그램 실행</a:t>
-              </a:r>
-            </a:p>
-          </p:txBody>
-        </p:sp>
-        <p:sp>
-          <p:nvSpPr>
-            <p:cNvPr id="10" name="직사각형 9">
-              <a:extLst>
-                <a:ext uri="{FF2B5EF4-FFF2-40B4-BE49-F238E27FC236}">
-                  <a16:creationId xmlns:a16="http://schemas.microsoft.com/office/drawing/2014/main" id="{F4A61FB5-7AFA-35BD-D7C0-88A866044328}"/>
-                </a:ext>
-              </a:extLst>
-            </p:cNvPr>
-            <p:cNvSpPr/>
-            <p:nvPr/>
-          </p:nvSpPr>
-          <p:spPr>
-            <a:xfrm>
-              <a:off x="5203632" y="2722278"/>
-              <a:ext cx="5277678" cy="506357"/>
-            </a:xfrm>
-            <a:prstGeom prst="rect">
-              <a:avLst/>
-            </a:prstGeom>
-          </p:spPr>
-          <p:txBody>
-            <a:bodyPr wrap="square">
-              <a:spAutoFit/>
-            </a:bodyPr>
-            <a:lstStyle/>
-            <a:p>
-              <a:pPr>
-                <a:lnSpc>
-                  <a:spcPct val="200000"/>
-                </a:lnSpc>
-              </a:pPr>
-              <a:endParaRPr lang="en-US" altLang="ko-KR" sz="1600" dirty="0">
-                <a:ln>
-                  <a:solidFill>
-                    <a:schemeClr val="tx1">
-                      <a:alpha val="30000"/>
-                    </a:schemeClr>
-                  </a:solidFill>
-                </a:ln>
-                <a:latin typeface="맑은 고딕" panose="020B0503020000020004" pitchFamily="50" charset="-127"/>
-                <a:ea typeface="맑은 고딕" panose="020B0503020000020004" pitchFamily="50" charset="-127"/>
-              </a:endParaRPr>
-            </a:p>
-          </p:txBody>
-        </p:sp>
-        <p:cxnSp>
-          <p:nvCxnSpPr>
-            <p:cNvPr id="12" name="직선 연결선 11">
-              <a:extLst>
-                <a:ext uri="{FF2B5EF4-FFF2-40B4-BE49-F238E27FC236}">
-                  <a16:creationId xmlns:a16="http://schemas.microsoft.com/office/drawing/2014/main" id="{93F696B2-0061-FCD8-4727-3C074114BB60}"/>
-                </a:ext>
-              </a:extLst>
-            </p:cNvPr>
-            <p:cNvCxnSpPr>
-              <a:cxnSpLocks/>
-            </p:cNvCxnSpPr>
-            <p:nvPr/>
-          </p:nvCxnSpPr>
-          <p:spPr>
-            <a:xfrm>
-              <a:off x="5272272" y="2572002"/>
-              <a:ext cx="5094798" cy="0"/>
-            </a:xfrm>
-            <a:prstGeom prst="line">
-              <a:avLst/>
-            </a:prstGeom>
-            <a:ln w="15875">
-              <a:solidFill>
-                <a:schemeClr val="tx1"/>
-              </a:solidFill>
-            </a:ln>
-          </p:spPr>
-          <p:style>
-            <a:lnRef idx="1">
-              <a:schemeClr val="accent1"/>
-            </a:lnRef>
-            <a:fillRef idx="0">
-              <a:schemeClr val="accent1"/>
-            </a:fillRef>
-            <a:effectRef idx="0">
-              <a:schemeClr val="accent1"/>
-            </a:effectRef>
-            <a:fontRef idx="minor">
-              <a:schemeClr val="tx1"/>
-            </a:fontRef>
-          </p:style>
-        </p:cxnSp>
-      </p:grpSp>
-      <p:sp>
-        <p:nvSpPr>
-          <p:cNvPr id="16" name="직사각형 15">
-            <a:extLst>
-              <a:ext uri="{FF2B5EF4-FFF2-40B4-BE49-F238E27FC236}">
-                <a16:creationId xmlns:a16="http://schemas.microsoft.com/office/drawing/2014/main" id="{FBDF4439-7083-1509-2645-3926CF97E5A6}"/>
-              </a:ext>
-            </a:extLst>
-          </p:cNvPr>
-          <p:cNvSpPr/>
-          <p:nvPr/>
-        </p:nvSpPr>
-        <p:spPr>
-          <a:xfrm>
-            <a:off x="430175" y="2188349"/>
-            <a:ext cx="8181581" cy="4287096"/>
-          </a:xfrm>
-          <a:prstGeom prst="rect">
-            <a:avLst/>
-          </a:prstGeom>
-        </p:spPr>
-        <p:style>
-          <a:lnRef idx="2">
-            <a:schemeClr val="accent1"/>
-          </a:lnRef>
-          <a:fillRef idx="1">
-            <a:schemeClr val="lt1"/>
-          </a:fillRef>
-          <a:effectRef idx="0">
-            <a:schemeClr val="accent1"/>
-          </a:effectRef>
-          <a:fontRef idx="minor">
-            <a:schemeClr val="dk1"/>
-          </a:fontRef>
-        </p:style>
-        <p:txBody>
-          <a:bodyPr rtlCol="0" anchor="t"/>
-          <a:lstStyle/>
-          <a:p>
-            <a:pPr marL="0" marR="0">
-              <a:spcBef>
-                <a:spcPts val="0"/>
-              </a:spcBef>
-              <a:spcAft>
-                <a:spcPts val="0"/>
-              </a:spcAft>
-            </a:pPr>
-            <a:r>
-              <a:rPr lang="en-US" altLang="ko-KR" sz="1800" b="1" dirty="0">
-                <a:solidFill>
-                  <a:srgbClr val="7F0055"/>
-                </a:solidFill>
-                <a:effectLst/>
-                <a:highlight>
-                  <a:srgbClr val="FFFFFF"/>
-                </a:highlight>
-                <a:latin typeface="Consolas" panose="020B0609020204030204" pitchFamily="49" charset="0"/>
-              </a:rPr>
-              <a:t>public</a:t>
-            </a:r>
-            <a:r>
-              <a:rPr lang="en-US" altLang="ko-KR" sz="1800" dirty="0">
-                <a:solidFill>
-                  <a:srgbClr val="000000"/>
-                </a:solidFill>
-                <a:effectLst/>
-                <a:highlight>
-                  <a:srgbClr val="FFFFFF"/>
-                </a:highlight>
-                <a:latin typeface="Consolas" panose="020B0609020204030204" pitchFamily="49" charset="0"/>
-              </a:rPr>
-              <a:t> </a:t>
-            </a:r>
-            <a:r>
-              <a:rPr lang="en-US" altLang="ko-KR" sz="1800" b="1" dirty="0">
-                <a:solidFill>
-                  <a:srgbClr val="7F0055"/>
-                </a:solidFill>
-                <a:effectLst/>
-                <a:highlight>
-                  <a:srgbClr val="FFFFFF"/>
-                </a:highlight>
-                <a:latin typeface="Consolas" panose="020B0609020204030204" pitchFamily="49" charset="0"/>
-              </a:rPr>
-              <a:t>static</a:t>
-            </a:r>
-            <a:r>
-              <a:rPr lang="en-US" altLang="ko-KR" sz="1800" dirty="0">
-                <a:solidFill>
-                  <a:srgbClr val="000000"/>
-                </a:solidFill>
-                <a:effectLst/>
-                <a:highlight>
-                  <a:srgbClr val="FFFFFF"/>
-                </a:highlight>
-                <a:latin typeface="Consolas" panose="020B0609020204030204" pitchFamily="49" charset="0"/>
-              </a:rPr>
-              <a:t> </a:t>
-            </a:r>
-            <a:r>
-              <a:rPr lang="en-US" altLang="ko-KR" sz="1800" b="1" dirty="0">
-                <a:solidFill>
-                  <a:srgbClr val="7F0055"/>
-                </a:solidFill>
-                <a:effectLst/>
-                <a:highlight>
-                  <a:srgbClr val="FFFFFF"/>
-                </a:highlight>
-                <a:latin typeface="Consolas" panose="020B0609020204030204" pitchFamily="49" charset="0"/>
-              </a:rPr>
-              <a:t>void</a:t>
-            </a:r>
-            <a:r>
-              <a:rPr lang="en-US" altLang="ko-KR" sz="1800" dirty="0">
-                <a:solidFill>
-                  <a:srgbClr val="000000"/>
-                </a:solidFill>
-                <a:effectLst/>
-                <a:highlight>
-                  <a:srgbClr val="FFFFFF"/>
-                </a:highlight>
-                <a:latin typeface="Consolas" panose="020B0609020204030204" pitchFamily="49" charset="0"/>
-              </a:rPr>
-              <a:t> main(String[] </a:t>
-            </a:r>
-            <a:r>
-              <a:rPr lang="en-US" altLang="ko-KR" sz="1800" dirty="0" err="1">
-                <a:solidFill>
-                  <a:srgbClr val="6A3E3E"/>
-                </a:solidFill>
-                <a:effectLst/>
-                <a:highlight>
-                  <a:srgbClr val="FFFFFF"/>
-                </a:highlight>
-                <a:latin typeface="Consolas" panose="020B0609020204030204" pitchFamily="49" charset="0"/>
-              </a:rPr>
-              <a:t>args</a:t>
-            </a:r>
-            <a:r>
-              <a:rPr lang="en-US" altLang="ko-KR" sz="1800" dirty="0">
-                <a:solidFill>
-                  <a:srgbClr val="000000"/>
-                </a:solidFill>
-                <a:effectLst/>
-                <a:highlight>
-                  <a:srgbClr val="FFFFFF"/>
-                </a:highlight>
-                <a:latin typeface="Consolas" panose="020B0609020204030204" pitchFamily="49" charset="0"/>
-              </a:rPr>
-              <a:t>) {</a:t>
-            </a:r>
-          </a:p>
-          <a:p>
-            <a:pPr lvl="1"/>
-            <a:br>
-              <a:rPr lang="en-US" altLang="ko-KR" dirty="0">
-                <a:solidFill>
-                  <a:srgbClr val="000000"/>
-                </a:solidFill>
-                <a:effectLst/>
-                <a:highlight>
-                  <a:srgbClr val="FFFFFF"/>
-                </a:highlight>
-                <a:latin typeface="Consolas" panose="020B0609020204030204" pitchFamily="49" charset="0"/>
-              </a:rPr>
-            </a:br>
-            <a:r>
-              <a:rPr lang="ko-KR" altLang="en-US" dirty="0">
-                <a:solidFill>
-                  <a:srgbClr val="000000"/>
-                </a:solidFill>
-                <a:effectLst/>
-                <a:highlight>
-                  <a:srgbClr val="FFFFFF"/>
-                </a:highlight>
-                <a:latin typeface="Consolas" panose="020B0609020204030204" pitchFamily="49" charset="0"/>
-              </a:rPr>
-              <a:t>실행 프로그램 호출</a:t>
-            </a:r>
-            <a:endParaRPr lang="en-US" altLang="ko-KR" dirty="0">
-              <a:solidFill>
-                <a:srgbClr val="000000"/>
-              </a:solidFill>
-              <a:effectLst/>
-              <a:highlight>
-                <a:srgbClr val="FFFFFF"/>
-              </a:highlight>
-              <a:latin typeface="Consolas" panose="020B0609020204030204" pitchFamily="49" charset="0"/>
-            </a:endParaRPr>
-          </a:p>
-          <a:p>
-            <a:pPr lvl="1"/>
-            <a:endParaRPr lang="en-US" altLang="ko-KR" dirty="0">
-              <a:solidFill>
-                <a:srgbClr val="000000"/>
-              </a:solidFill>
-              <a:effectLst/>
-              <a:highlight>
-                <a:srgbClr val="FFFFFF"/>
-              </a:highlight>
-              <a:latin typeface="Consolas" panose="020B0609020204030204" pitchFamily="49" charset="0"/>
-            </a:endParaRPr>
-          </a:p>
-          <a:p>
-            <a:pPr marL="0" marR="0">
-              <a:spcBef>
-                <a:spcPts val="0"/>
-              </a:spcBef>
-              <a:spcAft>
-                <a:spcPts val="0"/>
-              </a:spcAft>
-            </a:pPr>
-            <a:r>
-              <a:rPr lang="en-US" altLang="ko-KR" sz="1800" dirty="0">
-                <a:solidFill>
-                  <a:srgbClr val="000000"/>
-                </a:solidFill>
-                <a:effectLst/>
-                <a:highlight>
-                  <a:srgbClr val="FFFFFF"/>
-                </a:highlight>
-                <a:latin typeface="Consolas" panose="020B0609020204030204" pitchFamily="49" charset="0"/>
-              </a:rPr>
-              <a:t>}</a:t>
-            </a:r>
-          </a:p>
-          <a:p>
-            <a:pPr marL="0" marR="0">
-              <a:spcBef>
-                <a:spcPts val="0"/>
-              </a:spcBef>
-              <a:spcAft>
-                <a:spcPts val="0"/>
-              </a:spcAft>
-            </a:pPr>
-            <a:endParaRPr lang="nb-NO" altLang="ko-KR" sz="1800" dirty="0">
-              <a:solidFill>
-                <a:srgbClr val="000000"/>
-              </a:solidFill>
-              <a:effectLst/>
-              <a:highlight>
-                <a:srgbClr val="FFFFFF"/>
-              </a:highlight>
-              <a:latin typeface="Consolas" panose="020B0609020204030204" pitchFamily="49" charset="0"/>
-            </a:endParaRPr>
-          </a:p>
-        </p:txBody>
-      </p:sp>
-    </p:spTree>
-    <p:extLst>
-      <p:ext uri="{BB962C8B-B14F-4D97-AF65-F5344CB8AC3E}">
-        <p14:creationId xmlns:p14="http://schemas.microsoft.com/office/powerpoint/2010/main" val="1246667048"/>
-      </p:ext>
-    </p:extLst>
-  </p:cSld>
-  <p:clrMapOvr>
-    <a:masterClrMapping/>
-  </p:clrMapOvr>
-</p:sld>
-</file>
-
-<file path=ppt/slides/slide6.xml><?xml version="1.0" encoding="utf-8"?>
-<p:sld xmlns:a="http://schemas.openxmlformats.org/drawingml/2006/main" xmlns:r="http://schemas.openxmlformats.org/officeDocument/2006/relationships" xmlns:p="http://schemas.openxmlformats.org/presentationml/2006/main">
-  <p:cSld>
+    <p:bg>
+      <p:bgPr>
+        <a:solidFill>
+          <a:schemeClr val="bg1">
+            <a:lumMod val="95000"/>
+          </a:schemeClr>
+        </a:solidFill>
+        <a:effectLst/>
+      </p:bgPr>
+    </p:bg>
     <p:spTree>
       <p:nvGrpSpPr>
         <p:cNvPr id="1" name=""/>
@@ -6879,7 +6344,7 @@
                   <a:latin typeface="맑은 고딕" panose="020B0503020000020004" pitchFamily="50" charset="-127"/>
                   <a:ea typeface="맑은 고딕" panose="020B0503020000020004" pitchFamily="50" charset="-127"/>
                 </a:rPr>
-                <a:t>회원 관리 주체</a:t>
+                <a:t>프로그램 실행</a:t>
               </a:r>
             </a:p>
           </p:txBody>
@@ -7022,391 +6487,125 @@
               </a:spcAft>
             </a:pPr>
             <a:r>
-              <a:rPr lang="en-US" altLang="ko-KR" sz="1400" dirty="0">
-                <a:solidFill>
-                  <a:srgbClr val="C00000"/>
-                </a:solidFill>
-                <a:effectLst/>
-                <a:highlight>
-                  <a:srgbClr val="FFFFFF"/>
-                </a:highlight>
-                <a:latin typeface="Consolas" panose="020B0609020204030204" pitchFamily="49" charset="0"/>
-              </a:rPr>
-              <a:t>// Member </a:t>
-            </a:r>
-            <a:r>
-              <a:rPr lang="en-US" altLang="ko-KR" sz="1400" u="sng" dirty="0">
-                <a:solidFill>
-                  <a:srgbClr val="C00000"/>
-                </a:solidFill>
-                <a:effectLst/>
-                <a:highlight>
-                  <a:srgbClr val="FFFFFF"/>
-                </a:highlight>
-                <a:latin typeface="Consolas" panose="020B0609020204030204" pitchFamily="49" charset="0"/>
-              </a:rPr>
-              <a:t>List</a:t>
-            </a:r>
-            <a:r>
-              <a:rPr lang="ko-KR" altLang="en-US" sz="1400" u="sng" dirty="0">
-                <a:solidFill>
-                  <a:srgbClr val="C00000"/>
-                </a:solidFill>
-                <a:effectLst/>
-                <a:highlight>
-                  <a:srgbClr val="FFFFFF"/>
-                </a:highlight>
-                <a:latin typeface="Consolas" panose="020B0609020204030204" pitchFamily="49" charset="0"/>
-              </a:rPr>
-              <a:t>를</a:t>
-            </a:r>
-            <a:r>
-              <a:rPr lang="ko-KR" altLang="en-US" sz="1400" dirty="0">
-                <a:solidFill>
-                  <a:srgbClr val="C00000"/>
-                </a:solidFill>
-                <a:effectLst/>
-                <a:highlight>
-                  <a:srgbClr val="FFFFFF"/>
-                </a:highlight>
-                <a:latin typeface="Consolas" panose="020B0609020204030204" pitchFamily="49" charset="0"/>
-              </a:rPr>
-              <a:t> 저장소로 가지고 있으며 추가</a:t>
-            </a:r>
-            <a:r>
-              <a:rPr lang="en-US" altLang="ko-KR" sz="1400" dirty="0">
-                <a:solidFill>
-                  <a:srgbClr val="C00000"/>
-                </a:solidFill>
-                <a:effectLst/>
-                <a:highlight>
-                  <a:srgbClr val="FFFFFF"/>
-                </a:highlight>
-                <a:latin typeface="Consolas" panose="020B0609020204030204" pitchFamily="49" charset="0"/>
-              </a:rPr>
-              <a:t>, </a:t>
-            </a:r>
-            <a:r>
-              <a:rPr lang="ko-KR" altLang="en-US" sz="1400" dirty="0">
-                <a:solidFill>
-                  <a:srgbClr val="C00000"/>
-                </a:solidFill>
-                <a:effectLst/>
-                <a:highlight>
-                  <a:srgbClr val="FFFFFF"/>
-                </a:highlight>
-                <a:latin typeface="Consolas" panose="020B0609020204030204" pitchFamily="49" charset="0"/>
-              </a:rPr>
-              <a:t>수정</a:t>
-            </a:r>
-            <a:r>
-              <a:rPr lang="en-US" altLang="ko-KR" sz="1400" dirty="0">
-                <a:solidFill>
-                  <a:srgbClr val="C00000"/>
-                </a:solidFill>
-                <a:effectLst/>
-                <a:highlight>
-                  <a:srgbClr val="FFFFFF"/>
-                </a:highlight>
-                <a:latin typeface="Consolas" panose="020B0609020204030204" pitchFamily="49" charset="0"/>
-              </a:rPr>
-              <a:t>, </a:t>
-            </a:r>
-            <a:r>
-              <a:rPr lang="ko-KR" altLang="en-US" sz="1400" dirty="0">
-                <a:solidFill>
-                  <a:srgbClr val="C00000"/>
-                </a:solidFill>
-                <a:effectLst/>
-                <a:highlight>
-                  <a:srgbClr val="FFFFFF"/>
-                </a:highlight>
-                <a:latin typeface="Consolas" panose="020B0609020204030204" pitchFamily="49" charset="0"/>
-              </a:rPr>
-              <a:t>삭제</a:t>
-            </a:r>
-            <a:r>
-              <a:rPr lang="en-US" altLang="ko-KR" sz="1400" dirty="0">
-                <a:solidFill>
-                  <a:srgbClr val="C00000"/>
-                </a:solidFill>
-                <a:effectLst/>
-                <a:highlight>
-                  <a:srgbClr val="FFFFFF"/>
-                </a:highlight>
-                <a:latin typeface="Consolas" panose="020B0609020204030204" pitchFamily="49" charset="0"/>
-              </a:rPr>
-              <a:t>, </a:t>
-            </a:r>
-            <a:r>
-              <a:rPr lang="ko-KR" altLang="en-US" sz="1400" dirty="0">
-                <a:solidFill>
-                  <a:srgbClr val="C00000"/>
-                </a:solidFill>
-                <a:effectLst/>
-                <a:highlight>
-                  <a:srgbClr val="FFFFFF"/>
-                </a:highlight>
-                <a:latin typeface="Consolas" panose="020B0609020204030204" pitchFamily="49" charset="0"/>
-              </a:rPr>
-              <a:t>출력하는 메소드 작성</a:t>
-            </a:r>
-          </a:p>
-          <a:p>
-            <a:pPr marL="0" marR="0">
-              <a:spcBef>
-                <a:spcPts val="0"/>
-              </a:spcBef>
-              <a:spcAft>
-                <a:spcPts val="0"/>
-              </a:spcAft>
-            </a:pPr>
-            <a:r>
-              <a:rPr lang="en-US" altLang="ko-KR" sz="1400" dirty="0">
-                <a:solidFill>
-                  <a:srgbClr val="C00000"/>
-                </a:solidFill>
-                <a:effectLst/>
-                <a:highlight>
-                  <a:srgbClr val="FFFFFF"/>
-                </a:highlight>
-                <a:latin typeface="Consolas" panose="020B0609020204030204" pitchFamily="49" charset="0"/>
-              </a:rPr>
-              <a:t>// </a:t>
-            </a:r>
-            <a:r>
-              <a:rPr lang="en-US" altLang="ko-KR" sz="1400" dirty="0" err="1">
-                <a:solidFill>
-                  <a:srgbClr val="C00000"/>
-                </a:solidFill>
-                <a:highlight>
-                  <a:srgbClr val="FFFFFF"/>
-                </a:highlight>
-                <a:latin typeface="Consolas" panose="020B0609020204030204" pitchFamily="49" charset="0"/>
-              </a:rPr>
-              <a:t>insert</a:t>
-            </a:r>
-            <a:r>
-              <a:rPr lang="en-US" altLang="ko-KR" sz="1400" dirty="0" err="1">
-                <a:solidFill>
-                  <a:srgbClr val="C00000"/>
-                </a:solidFill>
-                <a:effectLst/>
-                <a:highlight>
-                  <a:srgbClr val="FFFFFF"/>
-                </a:highlight>
-                <a:latin typeface="Consolas" panose="020B0609020204030204" pitchFamily="49" charset="0"/>
-              </a:rPr>
-              <a:t>Member</a:t>
-            </a:r>
-            <a:r>
-              <a:rPr lang="en-US" altLang="ko-KR" sz="1400" dirty="0">
-                <a:solidFill>
-                  <a:srgbClr val="C00000"/>
-                </a:solidFill>
-                <a:effectLst/>
-                <a:highlight>
-                  <a:srgbClr val="FFFFFF"/>
-                </a:highlight>
-                <a:latin typeface="Consolas" panose="020B0609020204030204" pitchFamily="49" charset="0"/>
-              </a:rPr>
-              <a:t>, </a:t>
-            </a:r>
-            <a:r>
-              <a:rPr lang="en-US" altLang="ko-KR" sz="1400" dirty="0" err="1">
-                <a:solidFill>
-                  <a:srgbClr val="C00000"/>
-                </a:solidFill>
-                <a:effectLst/>
-                <a:highlight>
-                  <a:srgbClr val="FFFFFF"/>
-                </a:highlight>
-                <a:latin typeface="Consolas" panose="020B0609020204030204" pitchFamily="49" charset="0"/>
-              </a:rPr>
-              <a:t>updateMember</a:t>
-            </a:r>
-            <a:r>
-              <a:rPr lang="en-US" altLang="ko-KR" sz="1400" dirty="0">
-                <a:solidFill>
-                  <a:srgbClr val="C00000"/>
-                </a:solidFill>
-                <a:effectLst/>
-                <a:highlight>
-                  <a:srgbClr val="FFFFFF"/>
-                </a:highlight>
-                <a:latin typeface="Consolas" panose="020B0609020204030204" pitchFamily="49" charset="0"/>
-              </a:rPr>
-              <a:t>, </a:t>
-            </a:r>
-            <a:r>
-              <a:rPr lang="en-US" altLang="ko-KR" sz="1400" dirty="0" err="1">
-                <a:solidFill>
-                  <a:srgbClr val="C00000"/>
-                </a:solidFill>
-                <a:effectLst/>
-                <a:highlight>
-                  <a:srgbClr val="FFFFFF"/>
-                </a:highlight>
-                <a:latin typeface="Consolas" panose="020B0609020204030204" pitchFamily="49" charset="0"/>
-              </a:rPr>
-              <a:t>deleteMember</a:t>
-            </a:r>
-            <a:r>
-              <a:rPr lang="en-US" altLang="ko-KR" sz="1400" dirty="0">
-                <a:solidFill>
-                  <a:srgbClr val="C00000"/>
-                </a:solidFill>
-                <a:effectLst/>
-                <a:highlight>
-                  <a:srgbClr val="FFFFFF"/>
-                </a:highlight>
-                <a:latin typeface="Consolas" panose="020B0609020204030204" pitchFamily="49" charset="0"/>
-              </a:rPr>
-              <a:t>, </a:t>
-            </a:r>
-            <a:r>
-              <a:rPr lang="en-US" altLang="ko-KR" sz="1400" dirty="0" err="1">
-                <a:solidFill>
-                  <a:srgbClr val="C00000"/>
-                </a:solidFill>
-                <a:effectLst/>
-                <a:highlight>
-                  <a:srgbClr val="FFFFFF"/>
-                </a:highlight>
-                <a:latin typeface="Consolas" panose="020B0609020204030204" pitchFamily="49" charset="0"/>
-              </a:rPr>
-              <a:t>findMember</a:t>
-            </a:r>
-            <a:r>
-              <a:rPr lang="en-US" altLang="ko-KR" sz="1400" dirty="0">
-                <a:solidFill>
-                  <a:srgbClr val="C00000"/>
-                </a:solidFill>
-                <a:effectLst/>
-                <a:highlight>
-                  <a:srgbClr val="FFFFFF"/>
-                </a:highlight>
-                <a:latin typeface="Consolas" panose="020B0609020204030204" pitchFamily="49" charset="0"/>
-              </a:rPr>
-              <a:t>, </a:t>
-            </a:r>
-            <a:r>
-              <a:rPr lang="en-US" altLang="ko-KR" sz="1400" dirty="0" err="1">
-                <a:solidFill>
-                  <a:srgbClr val="C00000"/>
-                </a:solidFill>
-                <a:effectLst/>
-                <a:highlight>
-                  <a:srgbClr val="FFFFFF"/>
-                </a:highlight>
-                <a:latin typeface="Consolas" panose="020B0609020204030204" pitchFamily="49" charset="0"/>
-              </a:rPr>
-              <a:t>findAllMember</a:t>
-            </a:r>
-            <a:endParaRPr lang="en-US" altLang="ko-KR" sz="1400" dirty="0">
-              <a:solidFill>
-                <a:srgbClr val="C00000"/>
-              </a:solidFill>
-              <a:effectLst/>
-              <a:highlight>
-                <a:srgbClr val="FFFFFF"/>
-              </a:highlight>
-              <a:latin typeface="Consolas" panose="020B0609020204030204" pitchFamily="49" charset="0"/>
-            </a:endParaRPr>
-          </a:p>
-          <a:p>
-            <a:pPr marL="0" marR="0">
-              <a:spcBef>
-                <a:spcPts val="0"/>
-              </a:spcBef>
-              <a:spcAft>
-                <a:spcPts val="0"/>
-              </a:spcAft>
-            </a:pPr>
-            <a:endParaRPr lang="en-US" altLang="ko-KR" sz="1400" dirty="0">
-              <a:solidFill>
-                <a:srgbClr val="C00000"/>
-              </a:solidFill>
-              <a:highlight>
-                <a:srgbClr val="FFFFFF"/>
-              </a:highlight>
-              <a:latin typeface="Consolas" panose="020B0609020204030204" pitchFamily="49" charset="0"/>
-            </a:endParaRPr>
-          </a:p>
-          <a:p>
-            <a:pPr marL="0" marR="0">
-              <a:spcBef>
-                <a:spcPts val="0"/>
-              </a:spcBef>
-              <a:spcAft>
-                <a:spcPts val="0"/>
-              </a:spcAft>
-            </a:pPr>
-            <a:endParaRPr lang="en-US" altLang="ko-KR" sz="1600" dirty="0">
-              <a:solidFill>
-                <a:srgbClr val="C00000"/>
-              </a:solidFill>
-              <a:highlight>
-                <a:srgbClr val="FFFFFF"/>
-              </a:highlight>
-              <a:latin typeface="Consolas" panose="020B0609020204030204" pitchFamily="49" charset="0"/>
-            </a:endParaRPr>
-          </a:p>
-          <a:p>
-            <a:pPr marL="0" marR="0">
-              <a:spcBef>
-                <a:spcPts val="0"/>
-              </a:spcBef>
-              <a:spcAft>
-                <a:spcPts val="0"/>
-              </a:spcAft>
-            </a:pPr>
-            <a:endParaRPr lang="en-US" altLang="ko-KR" sz="1600" dirty="0">
-              <a:solidFill>
-                <a:srgbClr val="C00000"/>
-              </a:solidFill>
-              <a:highlight>
-                <a:srgbClr val="FFFFFF"/>
-              </a:highlight>
-              <a:latin typeface="Consolas" panose="020B0609020204030204" pitchFamily="49" charset="0"/>
-            </a:endParaRPr>
-          </a:p>
-          <a:p>
-            <a:pPr marL="0" marR="0">
-              <a:spcBef>
-                <a:spcPts val="0"/>
-              </a:spcBef>
-              <a:spcAft>
-                <a:spcPts val="0"/>
-              </a:spcAft>
-            </a:pPr>
-            <a:r>
-              <a:rPr lang="en-US" altLang="ko-KR" sz="1400" dirty="0">
-                <a:solidFill>
-                  <a:srgbClr val="3F7F5F"/>
-                </a:solidFill>
-                <a:effectLst/>
-                <a:highlight>
-                  <a:srgbClr val="FFFFFF"/>
-                </a:highlight>
-                <a:latin typeface="Consolas" panose="020B0609020204030204" pitchFamily="49" charset="0"/>
-              </a:rPr>
-              <a:t>//</a:t>
-            </a:r>
-            <a:r>
-              <a:rPr lang="ko-KR" altLang="en-US" sz="1400" dirty="0">
-                <a:solidFill>
-                  <a:srgbClr val="3F7F5F"/>
-                </a:solidFill>
-                <a:effectLst/>
-                <a:highlight>
-                  <a:srgbClr val="FFFFFF"/>
-                </a:highlight>
-                <a:latin typeface="Consolas" panose="020B0609020204030204" pitchFamily="49" charset="0"/>
-              </a:rPr>
-              <a:t>저장</a:t>
-            </a:r>
-            <a:endParaRPr lang="ko-KR" altLang="en-US" sz="1400" dirty="0">
+              <a:rPr lang="en-US" altLang="ko-KR" sz="1800" b="1" dirty="0">
+                <a:solidFill>
+                  <a:srgbClr val="7F0055"/>
+                </a:solidFill>
+                <a:effectLst/>
+                <a:highlight>
+                  <a:srgbClr val="FFFFFF"/>
+                </a:highlight>
+                <a:latin typeface="Consolas" panose="020B0609020204030204" pitchFamily="49" charset="0"/>
+              </a:rPr>
+              <a:t>public</a:t>
+            </a:r>
+            <a:r>
+              <a:rPr lang="en-US" altLang="ko-KR" sz="1800" dirty="0">
+                <a:solidFill>
+                  <a:srgbClr val="000000"/>
+                </a:solidFill>
+                <a:effectLst/>
+                <a:highlight>
+                  <a:srgbClr val="FFFFFF"/>
+                </a:highlight>
+                <a:latin typeface="Consolas" panose="020B0609020204030204" pitchFamily="49" charset="0"/>
+              </a:rPr>
+              <a:t> </a:t>
+            </a:r>
+            <a:r>
+              <a:rPr lang="en-US" altLang="ko-KR" sz="1800" b="1" dirty="0">
+                <a:solidFill>
+                  <a:srgbClr val="7F0055"/>
+                </a:solidFill>
+                <a:effectLst/>
+                <a:highlight>
+                  <a:srgbClr val="FFFFFF"/>
+                </a:highlight>
+                <a:latin typeface="Consolas" panose="020B0609020204030204" pitchFamily="49" charset="0"/>
+              </a:rPr>
+              <a:t>static</a:t>
+            </a:r>
+            <a:r>
+              <a:rPr lang="en-US" altLang="ko-KR" sz="1800" dirty="0">
+                <a:solidFill>
+                  <a:srgbClr val="000000"/>
+                </a:solidFill>
+                <a:effectLst/>
+                <a:highlight>
+                  <a:srgbClr val="FFFFFF"/>
+                </a:highlight>
+                <a:latin typeface="Consolas" panose="020B0609020204030204" pitchFamily="49" charset="0"/>
+              </a:rPr>
+              <a:t> </a:t>
+            </a:r>
+            <a:r>
+              <a:rPr lang="en-US" altLang="ko-KR" sz="1800" b="1" dirty="0">
+                <a:solidFill>
+                  <a:srgbClr val="7F0055"/>
+                </a:solidFill>
+                <a:effectLst/>
+                <a:highlight>
+                  <a:srgbClr val="FFFFFF"/>
+                </a:highlight>
+                <a:latin typeface="Consolas" panose="020B0609020204030204" pitchFamily="49" charset="0"/>
+              </a:rPr>
+              <a:t>void</a:t>
+            </a:r>
+            <a:r>
+              <a:rPr lang="en-US" altLang="ko-KR" sz="1800" dirty="0">
+                <a:solidFill>
+                  <a:srgbClr val="000000"/>
+                </a:solidFill>
+                <a:effectLst/>
+                <a:highlight>
+                  <a:srgbClr val="FFFFFF"/>
+                </a:highlight>
+                <a:latin typeface="Consolas" panose="020B0609020204030204" pitchFamily="49" charset="0"/>
+              </a:rPr>
+              <a:t> main(String[] </a:t>
+            </a:r>
+            <a:r>
+              <a:rPr lang="en-US" altLang="ko-KR" sz="1800" dirty="0" err="1">
+                <a:solidFill>
+                  <a:srgbClr val="6A3E3E"/>
+                </a:solidFill>
+                <a:effectLst/>
+                <a:highlight>
+                  <a:srgbClr val="FFFFFF"/>
+                </a:highlight>
+                <a:latin typeface="Consolas" panose="020B0609020204030204" pitchFamily="49" charset="0"/>
+              </a:rPr>
+              <a:t>args</a:t>
+            </a:r>
+            <a:r>
+              <a:rPr lang="en-US" altLang="ko-KR" sz="1800" dirty="0">
+                <a:solidFill>
+                  <a:srgbClr val="000000"/>
+                </a:solidFill>
+                <a:effectLst/>
+                <a:highlight>
+                  <a:srgbClr val="FFFFFF"/>
+                </a:highlight>
+                <a:latin typeface="Consolas" panose="020B0609020204030204" pitchFamily="49" charset="0"/>
+              </a:rPr>
+              <a:t>) {</a:t>
+            </a:r>
+          </a:p>
+          <a:p>
+            <a:pPr lvl="1"/>
+            <a:br>
+              <a:rPr lang="en-US" altLang="ko-KR" dirty="0">
+                <a:solidFill>
+                  <a:srgbClr val="000000"/>
+                </a:solidFill>
+                <a:effectLst/>
+                <a:highlight>
+                  <a:srgbClr val="FFFFFF"/>
+                </a:highlight>
+                <a:latin typeface="Consolas" panose="020B0609020204030204" pitchFamily="49" charset="0"/>
+              </a:rPr>
+            </a:br>
+            <a:endParaRPr lang="en-US" altLang="ko-KR" dirty="0">
               <a:solidFill>
                 <a:srgbClr val="000000"/>
               </a:solidFill>
@@ -7418,131 +6617,8 @@
             </a:endParaRPr>
           </a:p>
           <a:p>
-            <a:pPr marL="0" marR="0">
-              <a:spcBef>
-                <a:spcPts val="0"/>
-              </a:spcBef>
-              <a:spcAft>
-                <a:spcPts val="0"/>
-              </a:spcAft>
-            </a:pPr>
-            <a:r>
-              <a:rPr lang="en-US" altLang="ko-KR" sz="1400" b="1" dirty="0">
-                <a:solidFill>
-                  <a:srgbClr val="7F0055"/>
-                </a:solidFill>
-                <a:effectLst/>
-                <a:highlight>
-                  <a:srgbClr val="FFFFFF"/>
-                </a:highlight>
-                <a:latin typeface="Consolas" panose="020B0609020204030204" pitchFamily="49" charset="0"/>
-              </a:rPr>
-              <a:t>public</a:t>
-            </a:r>
-            <a:r>
-              <a:rPr lang="en-US" altLang="ko-KR" sz="1400" dirty="0">
-                <a:solidFill>
-                  <a:srgbClr val="000000"/>
-                </a:solidFill>
-                <a:effectLst/>
-                <a:highlight>
-                  <a:srgbClr val="FFFFFF"/>
-                </a:highlight>
-                <a:latin typeface="Consolas" panose="020B0609020204030204" pitchFamily="49" charset="0"/>
-              </a:rPr>
-              <a:t> </a:t>
-            </a:r>
-            <a:r>
-              <a:rPr lang="en-US" altLang="ko-KR" sz="1400" b="1" dirty="0">
-                <a:solidFill>
-                  <a:srgbClr val="7F0055"/>
-                </a:solidFill>
-                <a:effectLst/>
-                <a:highlight>
-                  <a:srgbClr val="FFFFFF"/>
-                </a:highlight>
-                <a:latin typeface="Consolas" panose="020B0609020204030204" pitchFamily="49" charset="0"/>
-              </a:rPr>
-              <a:t>void</a:t>
-            </a:r>
-            <a:r>
-              <a:rPr lang="en-US" altLang="ko-KR" sz="1400" dirty="0">
-                <a:solidFill>
-                  <a:srgbClr val="000000"/>
-                </a:solidFill>
-                <a:effectLst/>
-                <a:highlight>
-                  <a:srgbClr val="FFFFFF"/>
-                </a:highlight>
-                <a:latin typeface="Consolas" panose="020B0609020204030204" pitchFamily="49" charset="0"/>
-              </a:rPr>
-              <a:t> </a:t>
-            </a:r>
-            <a:r>
-              <a:rPr lang="en-US" altLang="ko-KR" sz="1400" dirty="0" err="1">
-                <a:solidFill>
-                  <a:srgbClr val="000000"/>
-                </a:solidFill>
-                <a:effectLst/>
-                <a:highlight>
-                  <a:srgbClr val="FFFFFF"/>
-                </a:highlight>
-                <a:latin typeface="Consolas" panose="020B0609020204030204" pitchFamily="49" charset="0"/>
-              </a:rPr>
-              <a:t>insertMember</a:t>
-            </a:r>
-            <a:r>
-              <a:rPr lang="en-US" altLang="ko-KR" sz="1400" dirty="0">
-                <a:solidFill>
-                  <a:srgbClr val="000000"/>
-                </a:solidFill>
-                <a:effectLst/>
-                <a:highlight>
-                  <a:srgbClr val="FFFFFF"/>
-                </a:highlight>
-                <a:latin typeface="Consolas" panose="020B0609020204030204" pitchFamily="49" charset="0"/>
-              </a:rPr>
-              <a:t>(Member </a:t>
-            </a:r>
-            <a:r>
-              <a:rPr lang="en-US" altLang="ko-KR" sz="1400" dirty="0">
-                <a:solidFill>
-                  <a:srgbClr val="6A3E3E"/>
-                </a:solidFill>
-                <a:effectLst/>
-                <a:highlight>
-                  <a:srgbClr val="FFFFFF"/>
-                </a:highlight>
-                <a:latin typeface="Consolas" panose="020B0609020204030204" pitchFamily="49" charset="0"/>
-              </a:rPr>
-              <a:t>member</a:t>
-            </a:r>
-            <a:r>
-              <a:rPr lang="en-US" altLang="ko-KR" sz="1400" dirty="0">
-                <a:solidFill>
-                  <a:srgbClr val="000000"/>
-                </a:solidFill>
-                <a:effectLst/>
-                <a:highlight>
-                  <a:srgbClr val="FFFFFF"/>
-                </a:highlight>
-                <a:latin typeface="Consolas" panose="020B0609020204030204" pitchFamily="49" charset="0"/>
-              </a:rPr>
-              <a:t>)</a:t>
-            </a:r>
-            <a:br>
-              <a:rPr lang="en-US" altLang="ko-KR" sz="1400" dirty="0">
-                <a:solidFill>
-                  <a:srgbClr val="000000"/>
-                </a:solidFill>
-                <a:effectLst/>
-                <a:highlight>
-                  <a:srgbClr val="FFFFFF"/>
-                </a:highlight>
-                <a:latin typeface="Consolas" panose="020B0609020204030204" pitchFamily="49" charset="0"/>
-              </a:rPr>
-            </a:br>
-            <a:endParaRPr lang="en-US" altLang="ko-KR" sz="1400" dirty="0">
+            <a:pPr lvl="1"/>
+            <a:endParaRPr lang="en-US" altLang="ko-KR" dirty="0">
               <a:solidFill>
                 <a:srgbClr val="000000"/>
               </a:solidFill>
@@ -7563,32 +6639,29 @@
               </a:spcAft>
             </a:pPr>
             <a:r>
-              <a:rPr lang="en-US" altLang="ko-KR" sz="1400" dirty="0">
-                <a:solidFill>
-                  <a:srgbClr val="3F7F5F"/>
-                </a:solidFill>
-                <a:effectLst/>
-                <a:highlight>
-                  <a:srgbClr val="FFFFFF"/>
-                </a:highlight>
-                <a:latin typeface="Consolas" panose="020B0609020204030204" pitchFamily="49" charset="0"/>
-              </a:rPr>
-              <a:t>//</a:t>
-            </a:r>
-            <a:r>
-              <a:rPr lang="ko-KR" altLang="en-US" sz="1400" dirty="0">
-                <a:solidFill>
-                  <a:srgbClr val="3F7F5F"/>
-                </a:solidFill>
-                <a:effectLst/>
-                <a:highlight>
-                  <a:srgbClr val="FFFFFF"/>
-                </a:highlight>
-                <a:latin typeface="Consolas" panose="020B0609020204030204" pitchFamily="49" charset="0"/>
-              </a:rPr>
-              <a:t>수정</a:t>
-            </a:r>
-            <a:endParaRPr lang="ko-KR" altLang="en-US" sz="1400" dirty="0">
+              <a:rPr lang="en-US" altLang="ko-KR" sz="1800" dirty="0">
+                <a:solidFill>
+                  <a:srgbClr val="000000"/>
+                </a:solidFill>
+                <a:effectLst/>
+                <a:highlight>
+                  <a:srgbClr val="FFFFFF"/>
+                </a:highlight>
+                <a:latin typeface="Consolas" panose="020B0609020204030204" pitchFamily="49" charset="0"/>
+              </a:rPr>
+              <a:t>}</a:t>
+            </a:r>
+          </a:p>
+          <a:p>
+            <a:pPr marL="0" marR="0">
+              <a:spcBef>
+                <a:spcPts val="0"/>
+              </a:spcBef>
+              <a:spcAft>
+                <a:spcPts val="0"/>
+              </a:spcAft>
+            </a:pPr>
+            <a:endParaRPr lang="nb-NO" altLang="ko-KR" sz="1800" dirty="0">
               <a:solidFill>
                 <a:srgbClr val="000000"/>
               </a:solidFill>
@@ -7599,8 +6672,396 @@
               <a:latin typeface="Consolas" panose="020B0609020204030204" pitchFamily="49" charset="0"/>
             </a:endParaRPr>
           </a:p>
+        </p:txBody>
+      </p:sp>
+    </p:spTree>
+    <p:extLst>
+      <p:ext uri="{BB962C8B-B14F-4D97-AF65-F5344CB8AC3E}">
+        <p14:creationId xmlns:p14="http://schemas.microsoft.com/office/powerpoint/2010/main" val="1246667048"/>
+      </p:ext>
+    </p:extLst>
+  </p:cSld>
+  <p:clrMapOvr>
+    <a:masterClrMapping/>
+  </p:clrMapOvr>
+</p:sld>
+</file>
+
+<file path=ppt/slides/slide6.xml><?xml version="1.0" encoding="utf-8"?>
+<p:sld xmlns:a="http://schemas.openxmlformats.org/drawingml/2006/main" xmlns:r="http://schemas.openxmlformats.org/officeDocument/2006/relationships" xmlns:p="http://schemas.openxmlformats.org/presentationml/2006/main">
+  <p:cSld>
+    <p:bg>
+      <p:bgPr>
+        <a:solidFill>
+          <a:schemeClr val="bg1">
+            <a:lumMod val="95000"/>
+          </a:schemeClr>
+        </a:solidFill>
+        <a:effectLst/>
+      </p:bgPr>
+    </p:bg>
+    <p:spTree>
+      <p:nvGrpSpPr>
+        <p:cNvPr id="1" name=""/>
+        <p:cNvGrpSpPr/>
+        <p:nvPr/>
+      </p:nvGrpSpPr>
+      <p:grpSpPr>
+        <a:xfrm>
+          <a:off x="0" y="0"/>
+          <a:ext cx="0" cy="0"/>
+          <a:chOff x="0" y="0"/>
+          <a:chExt cx="0" cy="0"/>
+        </a:xfrm>
+      </p:grpSpPr>
+      <p:grpSp>
+        <p:nvGrpSpPr>
+          <p:cNvPr id="6" name="그룹 5">
+            <a:extLst>
+              <a:ext uri="{FF2B5EF4-FFF2-40B4-BE49-F238E27FC236}">
+                <a16:creationId xmlns:a16="http://schemas.microsoft.com/office/drawing/2014/main" id="{CA7BD838-D4FB-4EA7-B68C-FA7B6D147BA2}"/>
+              </a:ext>
+            </a:extLst>
+          </p:cNvPr>
+          <p:cNvGrpSpPr/>
+          <p:nvPr/>
+        </p:nvGrpSpPr>
+        <p:grpSpPr>
+          <a:xfrm>
+            <a:off x="159191" y="182880"/>
+            <a:ext cx="2789281" cy="854227"/>
+            <a:chOff x="640080" y="-971550"/>
+            <a:chExt cx="1660746" cy="765810"/>
+          </a:xfrm>
+        </p:grpSpPr>
+        <p:sp>
+          <p:nvSpPr>
+            <p:cNvPr id="18" name="TextBox 17">
+              <a:extLst>
+                <a:ext uri="{FF2B5EF4-FFF2-40B4-BE49-F238E27FC236}">
+                  <a16:creationId xmlns:a16="http://schemas.microsoft.com/office/drawing/2014/main" id="{D7B7EE40-BAD9-4569-9BF6-F6E9ACA78A3C}"/>
+                </a:ext>
+              </a:extLst>
+            </p:cNvPr>
+            <p:cNvSpPr txBox="1"/>
+            <p:nvPr/>
+          </p:nvSpPr>
+          <p:spPr>
+            <a:xfrm>
+              <a:off x="682196" y="-727500"/>
+              <a:ext cx="1576513" cy="358697"/>
+            </a:xfrm>
+            <a:prstGeom prst="rect">
+              <a:avLst/>
+            </a:prstGeom>
+            <a:noFill/>
+          </p:spPr>
+          <p:txBody>
+            <a:bodyPr wrap="square" rtlCol="0" anchor="ctr">
+              <a:spAutoFit/>
+            </a:bodyPr>
+            <a:lstStyle/>
+            <a:p>
+              <a:pPr algn="ctr"/>
+              <a:r>
+                <a:rPr lang="ko-KR" altLang="en-US" sz="2000" dirty="0">
+                  <a:ln>
+                    <a:solidFill>
+                      <a:schemeClr val="tx1">
+                        <a:alpha val="30000"/>
+                      </a:schemeClr>
+                    </a:solidFill>
+                  </a:ln>
+                  <a:latin typeface="맑은 고딕" panose="020B0503020000020004" pitchFamily="50" charset="-127"/>
+                  <a:ea typeface="맑은 고딕" panose="020B0503020000020004" pitchFamily="50" charset="-127"/>
+                </a:rPr>
+                <a:t>회원 관리 프로그램</a:t>
+              </a:r>
+            </a:p>
+          </p:txBody>
+        </p:sp>
+        <p:sp>
+          <p:nvSpPr>
+            <p:cNvPr id="5" name="직사각형 4">
+              <a:extLst>
+                <a:ext uri="{FF2B5EF4-FFF2-40B4-BE49-F238E27FC236}">
+                  <a16:creationId xmlns:a16="http://schemas.microsoft.com/office/drawing/2014/main" id="{AB4C8245-D0E4-4D79-B3E9-2FB89CE6FE84}"/>
+                </a:ext>
+              </a:extLst>
+            </p:cNvPr>
+            <p:cNvSpPr/>
+            <p:nvPr/>
+          </p:nvSpPr>
+          <p:spPr>
+            <a:xfrm>
+              <a:off x="640080" y="-971550"/>
+              <a:ext cx="1660746" cy="765810"/>
+            </a:xfrm>
+            <a:prstGeom prst="rect">
+              <a:avLst/>
+            </a:prstGeom>
+            <a:noFill/>
+            <a:ln w="25400">
+              <a:solidFill>
+                <a:schemeClr val="tx1"/>
+              </a:solidFill>
+            </a:ln>
+          </p:spPr>
+          <p:style>
+            <a:lnRef idx="2">
+              <a:schemeClr val="accent1">
+                <a:shade val="50000"/>
+              </a:schemeClr>
+            </a:lnRef>
+            <a:fillRef idx="1">
+              <a:schemeClr val="accent1"/>
+            </a:fillRef>
+            <a:effectRef idx="0">
+              <a:schemeClr val="accent1"/>
+            </a:effectRef>
+            <a:fontRef idx="minor">
+              <a:schemeClr val="lt1"/>
+            </a:fontRef>
+          </p:style>
+          <p:txBody>
+            <a:bodyPr rtlCol="0" anchor="ctr"/>
+            <a:lstStyle/>
+            <a:p>
+              <a:pPr algn="ctr"/>
+              <a:endParaRPr lang="ko-KR" altLang="en-US">
+                <a:latin typeface="맑은 고딕" panose="020B0503020000020004" pitchFamily="50" charset="-127"/>
+                <a:ea typeface="맑은 고딕" panose="020B0503020000020004" pitchFamily="50" charset="-127"/>
+              </a:endParaRPr>
+            </a:p>
+          </p:txBody>
+        </p:sp>
+      </p:grpSp>
+      <p:grpSp>
+        <p:nvGrpSpPr>
+          <p:cNvPr id="2" name="그룹 1">
+            <a:extLst>
+              <a:ext uri="{FF2B5EF4-FFF2-40B4-BE49-F238E27FC236}">
+                <a16:creationId xmlns:a16="http://schemas.microsoft.com/office/drawing/2014/main" id="{0C609F14-8B12-46C7-06B3-E83970B1D94F}"/>
+              </a:ext>
+            </a:extLst>
+          </p:cNvPr>
+          <p:cNvGrpSpPr/>
+          <p:nvPr/>
+        </p:nvGrpSpPr>
+        <p:grpSpPr>
+          <a:xfrm>
+            <a:off x="159191" y="1412673"/>
+            <a:ext cx="8639576" cy="1056743"/>
+            <a:chOff x="5203632" y="2171892"/>
+            <a:chExt cx="5277678" cy="1056743"/>
+          </a:xfrm>
+        </p:grpSpPr>
+        <p:sp>
+          <p:nvSpPr>
+            <p:cNvPr id="8" name="TextBox 7">
+              <a:extLst>
+                <a:ext uri="{FF2B5EF4-FFF2-40B4-BE49-F238E27FC236}">
+                  <a16:creationId xmlns:a16="http://schemas.microsoft.com/office/drawing/2014/main" id="{421F0E9C-5E13-CA75-8837-41BC683AE8EA}"/>
+                </a:ext>
+              </a:extLst>
+            </p:cNvPr>
+            <p:cNvSpPr txBox="1"/>
+            <p:nvPr/>
+          </p:nvSpPr>
+          <p:spPr>
+            <a:xfrm>
+              <a:off x="5203632" y="2171892"/>
+              <a:ext cx="3626632" cy="400110"/>
+            </a:xfrm>
+            <a:prstGeom prst="rect">
+              <a:avLst/>
+            </a:prstGeom>
+            <a:noFill/>
+          </p:spPr>
+          <p:txBody>
+            <a:bodyPr wrap="square" rtlCol="0">
+              <a:spAutoFit/>
+            </a:bodyPr>
+            <a:lstStyle/>
+            <a:p>
+              <a:r>
+                <a:rPr lang="en-US" altLang="ko-KR" sz="2000">
+                  <a:ln>
+                    <a:solidFill>
+                      <a:schemeClr val="tx1">
+                        <a:alpha val="30000"/>
+                      </a:schemeClr>
+                    </a:solidFill>
+                  </a:ln>
+                  <a:latin typeface="맑은 고딕" panose="020B0503020000020004" pitchFamily="50" charset="-127"/>
+                  <a:ea typeface="맑은 고딕" panose="020B0503020000020004" pitchFamily="50" charset="-127"/>
+                </a:rPr>
+                <a:t>MemberService.</a:t>
+              </a:r>
+              <a:r>
+                <a:rPr lang="en-US" altLang="ko-KR" sz="2000" dirty="0">
+                  <a:ln>
+                    <a:solidFill>
+                      <a:schemeClr val="tx1">
+                        <a:alpha val="30000"/>
+                      </a:schemeClr>
+                    </a:solidFill>
+                  </a:ln>
+                  <a:latin typeface="맑은 고딕" panose="020B0503020000020004" pitchFamily="50" charset="-127"/>
+                  <a:ea typeface="맑은 고딕" panose="020B0503020000020004" pitchFamily="50" charset="-127"/>
+                </a:rPr>
+                <a:t>java – </a:t>
+              </a:r>
+              <a:r>
+                <a:rPr lang="ko-KR" altLang="en-US" sz="2000" dirty="0">
+                  <a:ln>
+                    <a:solidFill>
+                      <a:schemeClr val="tx1">
+                        <a:alpha val="30000"/>
+                      </a:schemeClr>
+                    </a:solidFill>
+                  </a:ln>
+                  <a:latin typeface="맑은 고딕" panose="020B0503020000020004" pitchFamily="50" charset="-127"/>
+                  <a:ea typeface="맑은 고딕" panose="020B0503020000020004" pitchFamily="50" charset="-127"/>
+                </a:rPr>
+                <a:t>비지니스 로직 구현</a:t>
+              </a:r>
+            </a:p>
+          </p:txBody>
+        </p:sp>
+        <p:sp>
+          <p:nvSpPr>
+            <p:cNvPr id="10" name="직사각형 9">
+              <a:extLst>
+                <a:ext uri="{FF2B5EF4-FFF2-40B4-BE49-F238E27FC236}">
+                  <a16:creationId xmlns:a16="http://schemas.microsoft.com/office/drawing/2014/main" id="{F4A61FB5-7AFA-35BD-D7C0-88A866044328}"/>
+                </a:ext>
+              </a:extLst>
+            </p:cNvPr>
+            <p:cNvSpPr/>
+            <p:nvPr/>
+          </p:nvSpPr>
+          <p:spPr>
+            <a:xfrm>
+              <a:off x="5203632" y="2722278"/>
+              <a:ext cx="5277678" cy="506357"/>
+            </a:xfrm>
+            <a:prstGeom prst="rect">
+              <a:avLst/>
+            </a:prstGeom>
+          </p:spPr>
+          <p:txBody>
+            <a:bodyPr wrap="square">
+              <a:spAutoFit/>
+            </a:bodyPr>
+            <a:lstStyle/>
+            <a:p>
+              <a:pPr>
+                <a:lnSpc>
+                  <a:spcPct val="200000"/>
+                </a:lnSpc>
+              </a:pPr>
+              <a:endParaRPr lang="en-US" altLang="ko-KR" sz="1600" dirty="0">
+                <a:ln>
+                  <a:solidFill>
+                    <a:schemeClr val="tx1">
+                      <a:alpha val="30000"/>
+                    </a:schemeClr>
+                  </a:solidFill>
+                </a:ln>
+                <a:latin typeface="맑은 고딕" panose="020B0503020000020004" pitchFamily="50" charset="-127"/>
+                <a:ea typeface="맑은 고딕" panose="020B0503020000020004" pitchFamily="50" charset="-127"/>
+              </a:endParaRPr>
+            </a:p>
+          </p:txBody>
+        </p:sp>
+        <p:cxnSp>
+          <p:nvCxnSpPr>
+            <p:cNvPr id="12" name="직선 연결선 11">
+              <a:extLst>
+                <a:ext uri="{FF2B5EF4-FFF2-40B4-BE49-F238E27FC236}">
+                  <a16:creationId xmlns:a16="http://schemas.microsoft.com/office/drawing/2014/main" id="{93F696B2-0061-FCD8-4727-3C074114BB60}"/>
+                </a:ext>
+              </a:extLst>
+            </p:cNvPr>
+            <p:cNvCxnSpPr>
+              <a:cxnSpLocks/>
+            </p:cNvCxnSpPr>
+            <p:nvPr/>
+          </p:nvCxnSpPr>
+          <p:spPr>
+            <a:xfrm>
+              <a:off x="5272272" y="2572002"/>
+              <a:ext cx="5094798" cy="0"/>
+            </a:xfrm>
+            <a:prstGeom prst="line">
+              <a:avLst/>
+            </a:prstGeom>
+            <a:ln w="15875">
+              <a:solidFill>
+                <a:schemeClr val="tx1"/>
+              </a:solidFill>
+            </a:ln>
+          </p:spPr>
+          <p:style>
+            <a:lnRef idx="1">
+              <a:schemeClr val="accent1"/>
+            </a:lnRef>
+            <a:fillRef idx="0">
+              <a:schemeClr val="accent1"/>
+            </a:fillRef>
+            <a:effectRef idx="0">
+              <a:schemeClr val="accent1"/>
+            </a:effectRef>
+            <a:fontRef idx="minor">
+              <a:schemeClr val="tx1"/>
+            </a:fontRef>
+          </p:style>
+        </p:cxnSp>
+      </p:grpSp>
+      <p:sp>
+        <p:nvSpPr>
+          <p:cNvPr id="16" name="직사각형 15">
+            <a:extLst>
+              <a:ext uri="{FF2B5EF4-FFF2-40B4-BE49-F238E27FC236}">
+                <a16:creationId xmlns:a16="http://schemas.microsoft.com/office/drawing/2014/main" id="{FBDF4439-7083-1509-2645-3926CF97E5A6}"/>
+              </a:ext>
+            </a:extLst>
+          </p:cNvPr>
+          <p:cNvSpPr/>
+          <p:nvPr/>
+        </p:nvSpPr>
+        <p:spPr>
+          <a:xfrm>
+            <a:off x="430175" y="2188349"/>
+            <a:ext cx="8181581" cy="4287096"/>
+          </a:xfrm>
+          <a:prstGeom prst="rect">
+            <a:avLst/>
+          </a:prstGeom>
+        </p:spPr>
+        <p:style>
+          <a:lnRef idx="2">
+            <a:schemeClr val="accent1"/>
+          </a:lnRef>
+          <a:fillRef idx="1">
+            <a:schemeClr val="lt1"/>
+          </a:fillRef>
+          <a:effectRef idx="0">
+            <a:schemeClr val="accent1"/>
+          </a:effectRef>
+          <a:fontRef idx="minor">
+            <a:schemeClr val="dk1"/>
+          </a:fontRef>
+        </p:style>
+        <p:txBody>
+          <a:bodyPr rtlCol="0" anchor="t"/>
+          <a:lstStyle/>
           <a:p>
             <a:pPr marL="0" marR="0">
+              <a:lnSpc>
+                <a:spcPct val="200000"/>
+              </a:lnSpc>
               <a:spcBef>
                 <a:spcPts val="0"/>
               </a:spcBef>
@@ -7609,112 +7070,47 @@
               </a:spcAft>
             </a:pPr>
             <a:r>
-              <a:rPr lang="en-US" altLang="ko-KR" sz="1400" b="1" dirty="0">
-                <a:solidFill>
-                  <a:srgbClr val="7F0055"/>
-                </a:solidFill>
-                <a:effectLst/>
-                <a:highlight>
-                  <a:srgbClr val="FFFFFF"/>
-                </a:highlight>
-                <a:latin typeface="Consolas" panose="020B0609020204030204" pitchFamily="49" charset="0"/>
-              </a:rPr>
-              <a:t>public</a:t>
-            </a:r>
-            <a:r>
-              <a:rPr lang="en-US" altLang="ko-KR" sz="1400" dirty="0">
-                <a:solidFill>
-                  <a:srgbClr val="000000"/>
-                </a:solidFill>
-                <a:effectLst/>
-                <a:highlight>
-                  <a:srgbClr val="FFFFFF"/>
-                </a:highlight>
-                <a:latin typeface="Consolas" panose="020B0609020204030204" pitchFamily="49" charset="0"/>
-              </a:rPr>
-              <a:t> </a:t>
-            </a:r>
-            <a:r>
-              <a:rPr lang="en-US" altLang="ko-KR" sz="1400" b="1" dirty="0">
-                <a:solidFill>
-                  <a:srgbClr val="7F0055"/>
-                </a:solidFill>
-                <a:effectLst/>
-                <a:highlight>
-                  <a:srgbClr val="FFFFFF"/>
-                </a:highlight>
-                <a:latin typeface="Consolas" panose="020B0609020204030204" pitchFamily="49" charset="0"/>
-              </a:rPr>
-              <a:t>void</a:t>
-            </a:r>
-            <a:r>
-              <a:rPr lang="en-US" altLang="ko-KR" sz="1400" dirty="0">
-                <a:solidFill>
-                  <a:srgbClr val="000000"/>
-                </a:solidFill>
-                <a:effectLst/>
-                <a:highlight>
-                  <a:srgbClr val="FFFFFF"/>
-                </a:highlight>
-                <a:latin typeface="Consolas" panose="020B0609020204030204" pitchFamily="49" charset="0"/>
-              </a:rPr>
-              <a:t> </a:t>
-            </a:r>
-            <a:r>
-              <a:rPr lang="en-US" altLang="ko-KR" sz="1400" dirty="0" err="1">
-                <a:solidFill>
-                  <a:srgbClr val="000000"/>
-                </a:solidFill>
-                <a:effectLst/>
-                <a:highlight>
-                  <a:srgbClr val="FFFFFF"/>
-                </a:highlight>
-                <a:latin typeface="Consolas" panose="020B0609020204030204" pitchFamily="49" charset="0"/>
-              </a:rPr>
-              <a:t>updateMember</a:t>
-            </a:r>
-            <a:r>
-              <a:rPr lang="en-US" altLang="ko-KR" sz="1400" dirty="0">
-                <a:solidFill>
-                  <a:srgbClr val="000000"/>
-                </a:solidFill>
-                <a:effectLst/>
-                <a:highlight>
-                  <a:srgbClr val="FFFFFF"/>
-                </a:highlight>
-                <a:latin typeface="Consolas" panose="020B0609020204030204" pitchFamily="49" charset="0"/>
-              </a:rPr>
-              <a:t>(Member </a:t>
-            </a:r>
-            <a:r>
-              <a:rPr lang="en-US" altLang="ko-KR" sz="1400" dirty="0">
-                <a:solidFill>
-                  <a:srgbClr val="6A3E3E"/>
-                </a:solidFill>
-                <a:effectLst/>
-                <a:highlight>
-                  <a:srgbClr val="FFFFFF"/>
-                </a:highlight>
-                <a:latin typeface="Consolas" panose="020B0609020204030204" pitchFamily="49" charset="0"/>
-              </a:rPr>
-              <a:t>member</a:t>
-            </a:r>
-            <a:r>
-              <a:rPr lang="en-US" altLang="ko-KR" sz="1400" dirty="0">
-                <a:solidFill>
-                  <a:srgbClr val="000000"/>
-                </a:solidFill>
-                <a:effectLst/>
-                <a:highlight>
-                  <a:srgbClr val="FFFFFF"/>
-                </a:highlight>
-                <a:latin typeface="Consolas" panose="020B0609020204030204" pitchFamily="49" charset="0"/>
-              </a:rPr>
-              <a:t>) </a:t>
+              <a:rPr lang="en-US" altLang="ko-KR" sz="1600" b="1" dirty="0">
+                <a:solidFill>
+                  <a:schemeClr val="tx1"/>
+                </a:solidFill>
+                <a:effectLst/>
+                <a:highlight>
+                  <a:srgbClr val="FFFFFF"/>
+                </a:highlight>
+              </a:rPr>
+              <a:t>===== </a:t>
+            </a:r>
+            <a:r>
+              <a:rPr lang="ko-KR" altLang="en-US" sz="1600" b="1" dirty="0">
+                <a:solidFill>
+                  <a:schemeClr val="tx1"/>
+                </a:solidFill>
+                <a:effectLst/>
+                <a:highlight>
+                  <a:srgbClr val="FFFFFF"/>
+                </a:highlight>
+              </a:rPr>
+              <a:t>회원 관리 프로그램 </a:t>
+            </a:r>
+            <a:r>
+              <a:rPr lang="en-US" altLang="ko-KR" sz="1600" b="1" dirty="0">
+                <a:solidFill>
+                  <a:schemeClr val="tx1"/>
+                </a:solidFill>
+                <a:effectLst/>
+                <a:highlight>
+                  <a:srgbClr val="FFFFFF"/>
+                </a:highlight>
+              </a:rPr>
+              <a:t>=====</a:t>
             </a:r>
           </a:p>
           <a:p>
             <a:pPr marL="0" marR="0">
+              <a:lnSpc>
+                <a:spcPct val="200000"/>
+              </a:lnSpc>
               <a:spcBef>
                 <a:spcPts val="0"/>
               </a:spcBef>
@@ -7722,18 +7118,36 @@
                 <a:spcPts val="0"/>
               </a:spcAft>
             </a:pPr>
-            <a:endParaRPr lang="en-US" altLang="ko-KR" sz="1400" dirty="0">
-              <a:solidFill>
-                <a:srgbClr val="000000"/>
-              </a:solidFill>
-              <a:highlight>
-                <a:srgbClr val="FFFFFF"/>
-              </a:highlight>
-              <a:latin typeface="Consolas" panose="020B0609020204030204" pitchFamily="49" charset="0"/>
-            </a:endParaRPr>
+            <a:r>
+              <a:rPr lang="en-US" altLang="ko-KR" sz="1600" b="1" dirty="0">
+                <a:solidFill>
+                  <a:schemeClr val="tx1"/>
+                </a:solidFill>
+                <a:effectLst/>
+                <a:highlight>
+                  <a:srgbClr val="FFFFFF"/>
+                </a:highlight>
+              </a:rPr>
+              <a:t>1. </a:t>
+            </a:r>
+            <a:r>
+              <a:rPr lang="ko-KR" altLang="en-US" sz="1600" b="1" dirty="0">
+                <a:solidFill>
+                  <a:schemeClr val="tx1"/>
+                </a:solidFill>
+                <a:effectLst/>
+                <a:highlight>
+                  <a:srgbClr val="FFFFFF"/>
+                </a:highlight>
+              </a:rPr>
+              <a:t>회원 정보 등록</a:t>
+            </a:r>
           </a:p>
           <a:p>
             <a:pPr marL="0" marR="0">
+              <a:lnSpc>
+                <a:spcPct val="200000"/>
+              </a:lnSpc>
               <a:spcBef>
                 <a:spcPts val="0"/>
               </a:spcBef>
@@ -7742,44 +7156,35 @@
               </a:spcAft>
             </a:pPr>
             <a:r>
-              <a:rPr lang="en-US" altLang="ko-KR" sz="1400" dirty="0">
-                <a:solidFill>
-                  <a:srgbClr val="3F7F5F"/>
-                </a:solidFill>
-                <a:effectLst/>
-                <a:highlight>
-                  <a:srgbClr val="FFFFFF"/>
-                </a:highlight>
-                <a:latin typeface="Consolas" panose="020B0609020204030204" pitchFamily="49" charset="0"/>
-              </a:rPr>
-              <a:t>//</a:t>
-            </a:r>
-            <a:r>
-              <a:rPr lang="ko-KR" altLang="en-US" sz="1400" dirty="0">
-                <a:solidFill>
-                  <a:srgbClr val="3F7F5F"/>
-                </a:solidFill>
-                <a:effectLst/>
-                <a:highlight>
-                  <a:srgbClr val="FFFFFF"/>
-                </a:highlight>
-                <a:latin typeface="Consolas" panose="020B0609020204030204" pitchFamily="49" charset="0"/>
-              </a:rPr>
-              <a:t>삭제</a:t>
-            </a:r>
-            <a:endParaRPr lang="ko-KR" altLang="en-US" sz="1400" dirty="0">
-              <a:solidFill>
-                <a:srgbClr val="000000"/>
-              </a:solidFill>
-              <a:effectLst/>
-              <a:highlight>
-                <a:srgbClr val="FFFFFF"/>
-              </a:highlight>
-              <a:latin typeface="Consolas" panose="020B0609020204030204" pitchFamily="49" charset="0"/>
-            </a:endParaRPr>
+              <a:rPr lang="en-US" altLang="ko-KR" sz="1600" b="1" dirty="0">
+                <a:solidFill>
+                  <a:schemeClr val="tx1"/>
+                </a:solidFill>
+                <a:effectLst/>
+                <a:highlight>
+                  <a:srgbClr val="FFFFFF"/>
+                </a:highlight>
+              </a:rPr>
+              <a:t>2. </a:t>
+            </a:r>
+            <a:r>
+              <a:rPr lang="ko-KR" altLang="en-US" sz="1600" b="1" dirty="0">
+                <a:solidFill>
+                  <a:schemeClr val="tx1"/>
+                </a:solidFill>
+                <a:effectLst/>
+                <a:highlight>
+                  <a:srgbClr val="FFFFFF"/>
+                </a:highlight>
+              </a:rPr>
+              <a:t>회원 정보 수정</a:t>
+            </a:r>
           </a:p>
           <a:p>
             <a:pPr marL="0" marR="0">
+              <a:lnSpc>
+                <a:spcPct val="200000"/>
+              </a:lnSpc>
               <a:spcBef>
                 <a:spcPts val="0"/>
               </a:spcBef>
@@ -7788,112 +7193,35 @@
               </a:spcAft>
             </a:pPr>
             <a:r>
-              <a:rPr lang="en-US" altLang="ko-KR" sz="1400" b="1" dirty="0">
-                <a:solidFill>
-                  <a:srgbClr val="7F0055"/>
-                </a:solidFill>
-                <a:effectLst/>
-                <a:highlight>
-                  <a:srgbClr val="FFFFFF"/>
-                </a:highlight>
-                <a:latin typeface="Consolas" panose="020B0609020204030204" pitchFamily="49" charset="0"/>
-              </a:rPr>
-              <a:t>public</a:t>
-            </a:r>
-            <a:r>
-              <a:rPr lang="en-US" altLang="ko-KR" sz="1400" dirty="0">
-                <a:solidFill>
-                  <a:srgbClr val="000000"/>
-                </a:solidFill>
-                <a:effectLst/>
-                <a:highlight>
-                  <a:srgbClr val="FFFFFF"/>
-                </a:highlight>
-                <a:latin typeface="Consolas" panose="020B0609020204030204" pitchFamily="49" charset="0"/>
-              </a:rPr>
-              <a:t> </a:t>
-            </a:r>
-            <a:r>
-              <a:rPr lang="en-US" altLang="ko-KR" sz="1400" b="1" dirty="0">
-                <a:solidFill>
-                  <a:srgbClr val="7F0055"/>
-                </a:solidFill>
-                <a:effectLst/>
-                <a:highlight>
-                  <a:srgbClr val="FFFFFF"/>
-                </a:highlight>
-                <a:latin typeface="Consolas" panose="020B0609020204030204" pitchFamily="49" charset="0"/>
-              </a:rPr>
-              <a:t>void</a:t>
-            </a:r>
-            <a:r>
-              <a:rPr lang="en-US" altLang="ko-KR" sz="1400" dirty="0">
-                <a:solidFill>
-                  <a:srgbClr val="000000"/>
-                </a:solidFill>
-                <a:effectLst/>
-                <a:highlight>
-                  <a:srgbClr val="FFFFFF"/>
-                </a:highlight>
-                <a:latin typeface="Consolas" panose="020B0609020204030204" pitchFamily="49" charset="0"/>
-              </a:rPr>
-              <a:t> </a:t>
-            </a:r>
-            <a:r>
-              <a:rPr lang="en-US" altLang="ko-KR" sz="1400" dirty="0" err="1">
-                <a:solidFill>
-                  <a:srgbClr val="000000"/>
-                </a:solidFill>
-                <a:effectLst/>
-                <a:highlight>
-                  <a:srgbClr val="FFFFFF"/>
-                </a:highlight>
-                <a:latin typeface="Consolas" panose="020B0609020204030204" pitchFamily="49" charset="0"/>
-              </a:rPr>
-              <a:t>deleteMember</a:t>
-            </a:r>
-            <a:r>
-              <a:rPr lang="en-US" altLang="ko-KR" sz="1400" dirty="0">
-                <a:solidFill>
-                  <a:srgbClr val="000000"/>
-                </a:solidFill>
-                <a:effectLst/>
-                <a:highlight>
-                  <a:srgbClr val="FFFFFF"/>
-                </a:highlight>
-                <a:latin typeface="Consolas" panose="020B0609020204030204" pitchFamily="49" charset="0"/>
-              </a:rPr>
-              <a:t>(Member </a:t>
-            </a:r>
-            <a:r>
-              <a:rPr lang="en-US" altLang="ko-KR" sz="1400" dirty="0">
-                <a:solidFill>
-                  <a:srgbClr val="6A3E3E"/>
-                </a:solidFill>
-                <a:effectLst/>
-                <a:highlight>
-                  <a:srgbClr val="FFFFFF"/>
-                </a:highlight>
-                <a:latin typeface="Consolas" panose="020B0609020204030204" pitchFamily="49" charset="0"/>
-              </a:rPr>
-              <a:t>member</a:t>
-            </a:r>
-            <a:r>
-              <a:rPr lang="en-US" altLang="ko-KR" sz="1400" dirty="0">
-                <a:solidFill>
-                  <a:srgbClr val="000000"/>
-                </a:solidFill>
-                <a:effectLst/>
-                <a:highlight>
-                  <a:srgbClr val="FFFFFF"/>
-                </a:highlight>
-                <a:latin typeface="Consolas" panose="020B0609020204030204" pitchFamily="49" charset="0"/>
-              </a:rPr>
-              <a:t>)</a:t>
+              <a:rPr lang="en-US" altLang="ko-KR" sz="1600" b="1" dirty="0">
+                <a:solidFill>
+                  <a:schemeClr val="tx1"/>
+                </a:solidFill>
+                <a:effectLst/>
+                <a:highlight>
+                  <a:srgbClr val="FFFFFF"/>
+                </a:highlight>
+              </a:rPr>
+              <a:t>3. </a:t>
+            </a:r>
+            <a:r>
+              <a:rPr lang="ko-KR" altLang="en-US" sz="1600" b="1" dirty="0">
+                <a:solidFill>
+                  <a:schemeClr val="tx1"/>
+                </a:solidFill>
+                <a:effectLst/>
+                <a:highlight>
+                  <a:srgbClr val="FFFFFF"/>
+                </a:highlight>
+              </a:rPr>
+              <a:t>회원 정보 삭제</a:t>
             </a:r>
           </a:p>
           <a:p>
             <a:pPr marL="0" marR="0">
+              <a:lnSpc>
+                <a:spcPct val="200000"/>
+              </a:lnSpc>
               <a:spcBef>
                 <a:spcPts val="0"/>
               </a:spcBef>
@@ -7901,18 +7229,72 @@
                 <a:spcPts val="0"/>
               </a:spcAft>
             </a:pPr>
-            <a:endParaRPr lang="en-US" altLang="ko-KR" sz="1400" dirty="0">
-              <a:solidFill>
-                <a:srgbClr val="000000"/>
-              </a:solidFill>
-              <a:highlight>
-                <a:srgbClr val="FFFFFF"/>
-              </a:highlight>
-              <a:latin typeface="Consolas" panose="020B0609020204030204" pitchFamily="49" charset="0"/>
-            </a:endParaRPr>
+            <a:r>
+              <a:rPr lang="en-US" altLang="ko-KR" sz="1600" b="1" dirty="0">
+                <a:solidFill>
+                  <a:schemeClr val="tx1"/>
+                </a:solidFill>
+                <a:effectLst/>
+                <a:highlight>
+                  <a:srgbClr val="FFFFFF"/>
+                </a:highlight>
+              </a:rPr>
+              <a:t>4. </a:t>
+            </a:r>
+            <a:r>
+              <a:rPr lang="ko-KR" altLang="en-US" sz="1600" b="1" dirty="0">
+                <a:solidFill>
+                  <a:schemeClr val="tx1"/>
+                </a:solidFill>
+                <a:effectLst/>
+                <a:highlight>
+                  <a:srgbClr val="FFFFFF"/>
+                </a:highlight>
+              </a:rPr>
+              <a:t>회원 정보 출력</a:t>
+            </a:r>
+            <a:r>
+              <a:rPr lang="en-US" altLang="ko-KR" sz="1600" b="1" dirty="0">
+                <a:solidFill>
+                  <a:schemeClr val="tx1"/>
+                </a:solidFill>
+                <a:effectLst/>
+                <a:highlight>
+                  <a:srgbClr val="FFFFFF"/>
+                </a:highlight>
+              </a:rPr>
+              <a:t>(</a:t>
+            </a:r>
+            <a:r>
+              <a:rPr lang="ko-KR" altLang="en-US" sz="1600" b="1" dirty="0">
+                <a:solidFill>
+                  <a:schemeClr val="tx1"/>
+                </a:solidFill>
+                <a:effectLst/>
+                <a:highlight>
+                  <a:srgbClr val="FFFFFF"/>
+                </a:highlight>
+              </a:rPr>
+              <a:t>이름</a:t>
+            </a:r>
+            <a:r>
+              <a:rPr lang="en-US" altLang="ko-KR" sz="1600" b="1" dirty="0">
+                <a:solidFill>
+                  <a:schemeClr val="tx1"/>
+                </a:solidFill>
+                <a:effectLst/>
+                <a:highlight>
+                  <a:srgbClr val="FFFFFF"/>
+                </a:highlight>
+              </a:rPr>
+              <a:t>)</a:t>
+            </a:r>
           </a:p>
           <a:p>
             <a:pPr marL="0" marR="0">
+              <a:lnSpc>
+                <a:spcPct val="200000"/>
+              </a:lnSpc>
               <a:spcBef>
                 <a:spcPts val="0"/>
               </a:spcBef>
@@ -7921,44 +7303,35 @@
               </a:spcAft>
             </a:pPr>
             <a:r>
-              <a:rPr lang="en-US" altLang="ko-KR" sz="1400" dirty="0">
-                <a:solidFill>
-                  <a:srgbClr val="3F7F5F"/>
-                </a:solidFill>
-                <a:effectLst/>
-                <a:highlight>
-                  <a:srgbClr val="FFFFFF"/>
-                </a:highlight>
-                <a:latin typeface="Consolas" panose="020B0609020204030204" pitchFamily="49" charset="0"/>
-              </a:rPr>
-              <a:t>//</a:t>
-            </a:r>
-            <a:r>
-              <a:rPr lang="ko-KR" altLang="en-US" sz="1400" dirty="0">
-                <a:solidFill>
-                  <a:srgbClr val="3F7F5F"/>
-                </a:solidFill>
-                <a:effectLst/>
-                <a:highlight>
-                  <a:srgbClr val="FFFFFF"/>
-                </a:highlight>
-                <a:latin typeface="Consolas" panose="020B0609020204030204" pitchFamily="49" charset="0"/>
-              </a:rPr>
-              <a:t>출력</a:t>
-            </a:r>
-            <a:endParaRPr lang="ko-KR" altLang="en-US" sz="1400" dirty="0">
-              <a:solidFill>
-                <a:srgbClr val="000000"/>
-              </a:solidFill>
-              <a:effectLst/>
-              <a:highlight>
-                <a:srgbClr val="FFFFFF"/>
-              </a:highlight>
-              <a:latin typeface="Consolas" panose="020B0609020204030204" pitchFamily="49" charset="0"/>
-            </a:endParaRPr>
+              <a:rPr lang="en-US" altLang="ko-KR" sz="1600" b="1" dirty="0">
+                <a:solidFill>
+                  <a:schemeClr val="tx1"/>
+                </a:solidFill>
+                <a:effectLst/>
+                <a:highlight>
+                  <a:srgbClr val="FFFFFF"/>
+                </a:highlight>
+              </a:rPr>
+              <a:t>5. </a:t>
+            </a:r>
+            <a:r>
+              <a:rPr lang="ko-KR" altLang="en-US" sz="1600" b="1" dirty="0">
+                <a:solidFill>
+                  <a:schemeClr val="tx1"/>
+                </a:solidFill>
+                <a:effectLst/>
+                <a:highlight>
+                  <a:srgbClr val="FFFFFF"/>
+                </a:highlight>
+              </a:rPr>
+              <a:t>회원 전체 정보 출력</a:t>
+            </a:r>
           </a:p>
           <a:p>
             <a:pPr marL="0" marR="0">
+              <a:lnSpc>
+                <a:spcPct val="200000"/>
+              </a:lnSpc>
               <a:spcBef>
                 <a:spcPts val="0"/>
               </a:spcBef>
@@ -7967,196 +7340,37 @@
               </a:spcAft>
             </a:pPr>
             <a:r>
-              <a:rPr lang="en-US" altLang="ko-KR" sz="1400" b="1" dirty="0">
-                <a:solidFill>
-                  <a:srgbClr val="7F0055"/>
-                </a:solidFill>
-                <a:effectLst/>
-                <a:highlight>
-                  <a:srgbClr val="FFFFFF"/>
-                </a:highlight>
-                <a:latin typeface="Consolas" panose="020B0609020204030204" pitchFamily="49" charset="0"/>
-              </a:rPr>
-              <a:t>public</a:t>
-            </a:r>
-            <a:r>
-              <a:rPr lang="en-US" altLang="ko-KR" sz="1400" dirty="0">
-                <a:solidFill>
-                  <a:srgbClr val="000000"/>
-                </a:solidFill>
-                <a:effectLst/>
-                <a:highlight>
-                  <a:srgbClr val="FFFFFF"/>
-                </a:highlight>
-                <a:latin typeface="Consolas" panose="020B0609020204030204" pitchFamily="49" charset="0"/>
-              </a:rPr>
-              <a:t> List&lt;Member&gt; </a:t>
-            </a:r>
-            <a:r>
-              <a:rPr lang="en-US" altLang="ko-KR" sz="1400" dirty="0" err="1">
-                <a:solidFill>
-                  <a:srgbClr val="000000"/>
-                </a:solidFill>
-                <a:effectLst/>
-                <a:highlight>
-                  <a:srgbClr val="FFFFFF"/>
-                </a:highlight>
-                <a:latin typeface="Consolas" panose="020B0609020204030204" pitchFamily="49" charset="0"/>
-              </a:rPr>
-              <a:t>findMember</a:t>
-            </a:r>
-            <a:r>
-              <a:rPr lang="en-US" altLang="ko-KR" sz="1400" dirty="0">
-                <a:solidFill>
-                  <a:srgbClr val="000000"/>
-                </a:solidFill>
-                <a:effectLst/>
-                <a:highlight>
-                  <a:srgbClr val="FFFFFF"/>
-                </a:highlight>
-                <a:latin typeface="Consolas" panose="020B0609020204030204" pitchFamily="49" charset="0"/>
-              </a:rPr>
-              <a:t>()</a:t>
-            </a:r>
-            <a:br>
-              <a:rPr lang="en-US" altLang="ko-KR" sz="1400" dirty="0">
-                <a:solidFill>
-                  <a:srgbClr val="000000"/>
-                </a:solidFill>
-                <a:effectLst/>
-                <a:highlight>
-                  <a:srgbClr val="FFFFFF"/>
-                </a:highlight>
-                <a:latin typeface="Consolas" panose="020B0609020204030204" pitchFamily="49" charset="0"/>
-              </a:rPr>
-            </a:br>
-            <a:endParaRPr lang="en-US" altLang="ko-KR" sz="1400" dirty="0">
+              <a:rPr lang="en-US" altLang="ko-KR" sz="1600" b="1" dirty="0">
+                <a:solidFill>
+                  <a:schemeClr val="tx1"/>
+                </a:solidFill>
+                <a:effectLst/>
+                <a:highlight>
+                  <a:srgbClr val="FFFFFF"/>
+                </a:highlight>
+              </a:rPr>
+              <a:t>6. </a:t>
+            </a:r>
+            <a:r>
+              <a:rPr lang="ko-KR" altLang="en-US" sz="1600" b="1" dirty="0">
+                <a:solidFill>
+                  <a:schemeClr val="tx1"/>
+                </a:solidFill>
+                <a:effectLst/>
+                <a:highlight>
+                  <a:srgbClr val="FFFFFF"/>
+                </a:highlight>
+              </a:rPr>
+              <a:t>프로그램 종료</a:t>
+            </a:r>
+            <a:endParaRPr lang="en-US" altLang="ko-KR" sz="1050" b="1" dirty="0">
               <a:solidFill>
-                <a:srgbClr val="000000"/>
+                <a:schemeClr val="tx1"/>
               </a:solidFill>
               <a:effectLst/>
               <a:highlight>
                 <a:srgbClr val="FFFFFF"/>
               </a:highlight>
-              <a:latin typeface="Consolas" panose="020B0609020204030204" pitchFamily="49" charset="0"/>
-            </a:endParaRPr>
-          </a:p>
-          <a:p>
-            <a:pPr marL="0" marR="0">
-              <a:spcBef>
-                <a:spcPts val="0"/>
-              </a:spcBef>
-              <a:spcAft>
-                <a:spcPts val="0"/>
-              </a:spcAft>
-            </a:pPr>
-            <a:r>
-              <a:rPr lang="en-US" altLang="ko-KR" sz="1400" dirty="0">
-                <a:solidFill>
-                  <a:srgbClr val="3F7F5F"/>
-                </a:solidFill>
-                <a:effectLst/>
-                <a:highlight>
-                  <a:srgbClr val="FFFFFF"/>
-                </a:highlight>
-                <a:latin typeface="Consolas" panose="020B0609020204030204" pitchFamily="49" charset="0"/>
-              </a:rPr>
-              <a:t>//</a:t>
-            </a:r>
-            <a:r>
-              <a:rPr lang="ko-KR" altLang="en-US" sz="1400" dirty="0">
-                <a:solidFill>
-                  <a:srgbClr val="3F7F5F"/>
-                </a:solidFill>
-                <a:effectLst/>
-                <a:highlight>
-                  <a:srgbClr val="FFFFFF"/>
-                </a:highlight>
-                <a:latin typeface="Consolas" panose="020B0609020204030204" pitchFamily="49" charset="0"/>
-              </a:rPr>
-              <a:t>전체출력</a:t>
-            </a:r>
-            <a:endParaRPr lang="ko-KR" altLang="en-US" sz="1400" dirty="0">
-              <a:solidFill>
-                <a:srgbClr val="000000"/>
-              </a:solidFill>
-              <a:effectLst/>
-              <a:highlight>
-                <a:srgbClr val="FFFFFF"/>
-              </a:highlight>
-              <a:latin typeface="Consolas" panose="020B0609020204030204" pitchFamily="49" charset="0"/>
-            </a:endParaRPr>
-          </a:p>
-          <a:p>
-            <a:pPr marL="0" marR="0">
-              <a:spcBef>
-                <a:spcPts val="0"/>
-              </a:spcBef>
-              <a:spcAft>
-                <a:spcPts val="0"/>
-              </a:spcAft>
-            </a:pPr>
-            <a:r>
-              <a:rPr lang="en-US" altLang="ko-KR" sz="1400" b="1" dirty="0">
-                <a:solidFill>
-                  <a:srgbClr val="7F0055"/>
-                </a:solidFill>
-                <a:effectLst/>
-                <a:highlight>
-                  <a:srgbClr val="FFFFFF"/>
-                </a:highlight>
-                <a:latin typeface="Consolas" panose="020B0609020204030204" pitchFamily="49" charset="0"/>
-              </a:rPr>
-              <a:t>public</a:t>
-            </a:r>
-            <a:r>
-              <a:rPr lang="en-US" altLang="ko-KR" sz="1400" dirty="0">
-                <a:solidFill>
-                  <a:srgbClr val="000000"/>
-                </a:solidFill>
-                <a:effectLst/>
-                <a:highlight>
-                  <a:srgbClr val="FFFFFF"/>
-                </a:highlight>
-                <a:latin typeface="Consolas" panose="020B0609020204030204" pitchFamily="49" charset="0"/>
-              </a:rPr>
-              <a:t> List&lt;Member&gt; </a:t>
-            </a:r>
-            <a:r>
-              <a:rPr lang="en-US" altLang="ko-KR" sz="1400" dirty="0" err="1">
-                <a:solidFill>
-                  <a:srgbClr val="000000"/>
-                </a:solidFill>
-                <a:effectLst/>
-                <a:highlight>
-                  <a:srgbClr val="FFFFFF"/>
-                </a:highlight>
-                <a:latin typeface="Consolas" panose="020B0609020204030204" pitchFamily="49" charset="0"/>
-              </a:rPr>
-              <a:t>findAllMember</a:t>
-            </a:r>
-            <a:r>
-              <a:rPr lang="en-US" altLang="ko-KR" sz="1400" dirty="0">
-                <a:solidFill>
-                  <a:srgbClr val="000000"/>
-                </a:solidFill>
-                <a:effectLst/>
-                <a:highlight>
-                  <a:srgbClr val="FFFFFF"/>
-                </a:highlight>
-                <a:latin typeface="Consolas" panose="020B0609020204030204" pitchFamily="49" charset="0"/>
-              </a:rPr>
-              <a:t>()</a:t>
-            </a:r>
-            <a:endParaRPr lang="en-US" altLang="ko-KR" sz="1000" dirty="0">
-              <a:solidFill>
-                <a:srgbClr val="C00000"/>
-              </a:solidFill>
-              <a:effectLst/>
-              <a:highlight>
-                <a:srgbClr val="FFFFFF"/>
-              </a:highlight>
-              <a:latin typeface="Consolas" panose="020B0609020204030204" pitchFamily="49" charset="0"/>
             </a:endParaRPr>
           </a:p>
         </p:txBody>
@@ -8164,7 +7378,7 @@
     </p:spTree>
     <p:extLst>
       <p:ext uri="{BB962C8B-B14F-4D97-AF65-F5344CB8AC3E}">
-        <p14:creationId xmlns:p14="http://schemas.microsoft.com/office/powerpoint/2010/main" val="4174357496"/>
+        <p14:creationId xmlns:p14="http://schemas.microsoft.com/office/powerpoint/2010/main" val="1572129481"/>
       </p:ext>
     </p:extLst>
   </p:cSld>
@@ -8177,6 +7391,16 @@
 <file path=ppt/slides/slide7.xml><?xml version="1.0" encoding="utf-8"?>
 <p:sld xmlns:a="http://schemas.openxmlformats.org/drawingml/2006/main" xmlns:r="http://schemas.openxmlformats.org/officeDocument/2006/relationships" xmlns:p="http://schemas.openxmlformats.org/presentationml/2006/main">
   <p:cSld>
+    <p:bg>
+      <p:bgPr>
+        <a:solidFill>
+          <a:schemeClr val="bg1">
+            <a:lumMod val="95000"/>
+          </a:schemeClr>
+        </a:solidFill>
+        <a:effectLst/>
+      </p:bgPr>
+    </p:bg>
     <p:spTree>
       <p:nvGrpSpPr>
         <p:cNvPr id="1" name=""/>
@@ -8373,7 +7597,7 @@
                   <a:latin typeface="맑은 고딕" panose="020B0503020000020004" pitchFamily="50" charset="-127"/>
                   <a:ea typeface="맑은 고딕" panose="020B0503020000020004" pitchFamily="50" charset="-127"/>
                 </a:rPr>
-                <a:t>MemberView.java – </a:t>
+                <a:t>MemberDAO.java – </a:t>
               </a:r>
               <a:r>
                 <a:rPr lang="ko-KR" altLang="en-US" sz="2000" dirty="0">
@@ -8387,7 +7611,7 @@
                   <a:latin typeface="맑은 고딕" panose="020B0503020000020004" pitchFamily="50" charset="-127"/>
                   <a:ea typeface="맑은 고딕" panose="020B0503020000020004" pitchFamily="50" charset="-127"/>
                 </a:rPr>
-                <a:t>비지니스 로직 구현</a:t>
+                <a:t>회원 데이터 관리</a:t>
               </a:r>
             </a:p>
           </p:txBody>
@@ -8522,9 +7746,6 @@
           <a:lstStyle/>
           <a:p>
             <a:pPr marL="0" marR="0">
-              <a:lnSpc>
-                <a:spcPct val="200000"/>
-              </a:lnSpc>
               <a:spcBef>
                 <a:spcPts val="0"/>
               </a:spcBef>
@@ -8533,47 +7754,138 @@
               </a:spcAft>
             </a:pPr>
             <a:r>
-              <a:rPr lang="en-US" altLang="ko-KR" sz="1600" b="1" dirty="0">
-                <a:solidFill>
-                  <a:schemeClr val="tx1"/>
-                </a:solidFill>
-                <a:effectLst/>
-                <a:highlight>
-                  <a:srgbClr val="FFFFFF"/>
-                </a:highlight>
-              </a:rPr>
-              <a:t>===== </a:t>
-            </a:r>
-            <a:r>
-              <a:rPr lang="ko-KR" altLang="en-US" sz="1600" b="1" dirty="0">
-                <a:solidFill>
-                  <a:schemeClr val="tx1"/>
-                </a:solidFill>
-                <a:effectLst/>
-                <a:highlight>
-                  <a:srgbClr val="FFFFFF"/>
-                </a:highlight>
-              </a:rPr>
-              <a:t>회원 관리 프로그램 </a:t>
-            </a:r>
-            <a:r>
-              <a:rPr lang="en-US" altLang="ko-KR" sz="1600" b="1" dirty="0">
-                <a:solidFill>
-                  <a:schemeClr val="tx1"/>
-                </a:solidFill>
-                <a:effectLst/>
-                <a:highlight>
-                  <a:srgbClr val="FFFFFF"/>
-                </a:highlight>
-              </a:rPr>
-              <a:t>=====</a:t>
+              <a:rPr lang="en-US" altLang="ko-KR" sz="1400" dirty="0">
+                <a:solidFill>
+                  <a:srgbClr val="C00000"/>
+                </a:solidFill>
+                <a:effectLst/>
+                <a:highlight>
+                  <a:srgbClr val="FFFFFF"/>
+                </a:highlight>
+                <a:latin typeface="Consolas" panose="020B0609020204030204" pitchFamily="49" charset="0"/>
+              </a:rPr>
+              <a:t>// Member </a:t>
+            </a:r>
+            <a:r>
+              <a:rPr lang="en-US" altLang="ko-KR" sz="1400" u="sng" dirty="0">
+                <a:solidFill>
+                  <a:srgbClr val="C00000"/>
+                </a:solidFill>
+                <a:effectLst/>
+                <a:highlight>
+                  <a:srgbClr val="FFFFFF"/>
+                </a:highlight>
+                <a:latin typeface="Consolas" panose="020B0609020204030204" pitchFamily="49" charset="0"/>
+              </a:rPr>
+              <a:t>List</a:t>
+            </a:r>
+            <a:r>
+              <a:rPr lang="ko-KR" altLang="en-US" sz="1400" u="sng" dirty="0">
+                <a:solidFill>
+                  <a:srgbClr val="C00000"/>
+                </a:solidFill>
+                <a:effectLst/>
+                <a:highlight>
+                  <a:srgbClr val="FFFFFF"/>
+                </a:highlight>
+                <a:latin typeface="Consolas" panose="020B0609020204030204" pitchFamily="49" charset="0"/>
+              </a:rPr>
+              <a:t>를</a:t>
+            </a:r>
+            <a:r>
+              <a:rPr lang="ko-KR" altLang="en-US" sz="1400" dirty="0">
+                <a:solidFill>
+                  <a:srgbClr val="C00000"/>
+                </a:solidFill>
+                <a:effectLst/>
+                <a:highlight>
+                  <a:srgbClr val="FFFFFF"/>
+                </a:highlight>
+                <a:latin typeface="Consolas" panose="020B0609020204030204" pitchFamily="49" charset="0"/>
+              </a:rPr>
+              <a:t> 저장소로 가지고 있으며 추가</a:t>
+            </a:r>
+            <a:r>
+              <a:rPr lang="en-US" altLang="ko-KR" sz="1400" dirty="0">
+                <a:solidFill>
+                  <a:srgbClr val="C00000"/>
+                </a:solidFill>
+                <a:effectLst/>
+                <a:highlight>
+                  <a:srgbClr val="FFFFFF"/>
+                </a:highlight>
+                <a:latin typeface="Consolas" panose="020B0609020204030204" pitchFamily="49" charset="0"/>
+              </a:rPr>
+              <a:t>, </a:t>
+            </a:r>
+            <a:r>
+              <a:rPr lang="ko-KR" altLang="en-US" sz="1400" dirty="0">
+                <a:solidFill>
+                  <a:srgbClr val="C00000"/>
+                </a:solidFill>
+                <a:effectLst/>
+                <a:highlight>
+                  <a:srgbClr val="FFFFFF"/>
+                </a:highlight>
+                <a:latin typeface="Consolas" panose="020B0609020204030204" pitchFamily="49" charset="0"/>
+              </a:rPr>
+              <a:t>수정</a:t>
+            </a:r>
+            <a:r>
+              <a:rPr lang="en-US" altLang="ko-KR" sz="1400" dirty="0">
+                <a:solidFill>
+                  <a:srgbClr val="C00000"/>
+                </a:solidFill>
+                <a:effectLst/>
+                <a:highlight>
+                  <a:srgbClr val="FFFFFF"/>
+                </a:highlight>
+                <a:latin typeface="Consolas" panose="020B0609020204030204" pitchFamily="49" charset="0"/>
+              </a:rPr>
+              <a:t>, </a:t>
+            </a:r>
+            <a:r>
+              <a:rPr lang="ko-KR" altLang="en-US" sz="1400" dirty="0">
+                <a:solidFill>
+                  <a:srgbClr val="C00000"/>
+                </a:solidFill>
+                <a:effectLst/>
+                <a:highlight>
+                  <a:srgbClr val="FFFFFF"/>
+                </a:highlight>
+                <a:latin typeface="Consolas" panose="020B0609020204030204" pitchFamily="49" charset="0"/>
+              </a:rPr>
+              <a:t>삭제</a:t>
+            </a:r>
+            <a:r>
+              <a:rPr lang="en-US" altLang="ko-KR" sz="1400" dirty="0">
+                <a:solidFill>
+                  <a:srgbClr val="C00000"/>
+                </a:solidFill>
+                <a:effectLst/>
+                <a:highlight>
+                  <a:srgbClr val="FFFFFF"/>
+                </a:highlight>
+                <a:latin typeface="Consolas" panose="020B0609020204030204" pitchFamily="49" charset="0"/>
+              </a:rPr>
+              <a:t>, </a:t>
+            </a:r>
+            <a:r>
+              <a:rPr lang="ko-KR" altLang="en-US" sz="1400" dirty="0">
+                <a:solidFill>
+                  <a:srgbClr val="C00000"/>
+                </a:solidFill>
+                <a:effectLst/>
+                <a:highlight>
+                  <a:srgbClr val="FFFFFF"/>
+                </a:highlight>
+                <a:latin typeface="Consolas" panose="020B0609020204030204" pitchFamily="49" charset="0"/>
+              </a:rPr>
+              <a:t>출력하는 메소드 작성</a:t>
             </a:r>
           </a:p>
           <a:p>
             <a:pPr marL="0" marR="0">
-              <a:lnSpc>
-                <a:spcPct val="200000"/>
-              </a:lnSpc>
               <a:spcBef>
                 <a:spcPts val="0"/>
               </a:spcBef>
@@ -8582,35 +7894,160 @@
               </a:spcAft>
             </a:pPr>
             <a:r>
-              <a:rPr lang="en-US" altLang="ko-KR" sz="1600" b="1" dirty="0">
-                <a:solidFill>
-                  <a:schemeClr val="tx1"/>
-                </a:solidFill>
-                <a:effectLst/>
-                <a:highlight>
-                  <a:srgbClr val="FFFFFF"/>
-                </a:highlight>
-              </a:rPr>
-              <a:t>1. </a:t>
-            </a:r>
-            <a:r>
-              <a:rPr lang="ko-KR" altLang="en-US" sz="1600" b="1" dirty="0">
-                <a:solidFill>
-                  <a:schemeClr val="tx1"/>
-                </a:solidFill>
-                <a:effectLst/>
-                <a:highlight>
-                  <a:srgbClr val="FFFFFF"/>
-                </a:highlight>
-              </a:rPr>
-              <a:t>회원 정보 등록</a:t>
-            </a:r>
+              <a:rPr lang="en-US" altLang="ko-KR" sz="1400" dirty="0">
+                <a:solidFill>
+                  <a:srgbClr val="C00000"/>
+                </a:solidFill>
+                <a:effectLst/>
+                <a:highlight>
+                  <a:srgbClr val="FFFFFF"/>
+                </a:highlight>
+                <a:latin typeface="Consolas" panose="020B0609020204030204" pitchFamily="49" charset="0"/>
+              </a:rPr>
+              <a:t>// </a:t>
+            </a:r>
+            <a:r>
+              <a:rPr lang="en-US" altLang="ko-KR" sz="1400" dirty="0" err="1">
+                <a:solidFill>
+                  <a:srgbClr val="C00000"/>
+                </a:solidFill>
+                <a:highlight>
+                  <a:srgbClr val="FFFFFF"/>
+                </a:highlight>
+                <a:latin typeface="Consolas" panose="020B0609020204030204" pitchFamily="49" charset="0"/>
+              </a:rPr>
+              <a:t>insert</a:t>
+            </a:r>
+            <a:r>
+              <a:rPr lang="en-US" altLang="ko-KR" sz="1400" dirty="0" err="1">
+                <a:solidFill>
+                  <a:srgbClr val="C00000"/>
+                </a:solidFill>
+                <a:effectLst/>
+                <a:highlight>
+                  <a:srgbClr val="FFFFFF"/>
+                </a:highlight>
+                <a:latin typeface="Consolas" panose="020B0609020204030204" pitchFamily="49" charset="0"/>
+              </a:rPr>
+              <a:t>Member</a:t>
+            </a:r>
+            <a:r>
+              <a:rPr lang="en-US" altLang="ko-KR" sz="1400" dirty="0">
+                <a:solidFill>
+                  <a:srgbClr val="C00000"/>
+                </a:solidFill>
+                <a:effectLst/>
+                <a:highlight>
+                  <a:srgbClr val="FFFFFF"/>
+                </a:highlight>
+                <a:latin typeface="Consolas" panose="020B0609020204030204" pitchFamily="49" charset="0"/>
+              </a:rPr>
+              <a:t>, </a:t>
+            </a:r>
+            <a:r>
+              <a:rPr lang="en-US" altLang="ko-KR" sz="1400" dirty="0" err="1">
+                <a:solidFill>
+                  <a:srgbClr val="C00000"/>
+                </a:solidFill>
+                <a:effectLst/>
+                <a:highlight>
+                  <a:srgbClr val="FFFFFF"/>
+                </a:highlight>
+                <a:latin typeface="Consolas" panose="020B0609020204030204" pitchFamily="49" charset="0"/>
+              </a:rPr>
+              <a:t>updateMember</a:t>
+            </a:r>
+            <a:r>
+              <a:rPr lang="en-US" altLang="ko-KR" sz="1400" dirty="0">
+                <a:solidFill>
+                  <a:srgbClr val="C00000"/>
+                </a:solidFill>
+                <a:effectLst/>
+                <a:highlight>
+                  <a:srgbClr val="FFFFFF"/>
+                </a:highlight>
+                <a:latin typeface="Consolas" panose="020B0609020204030204" pitchFamily="49" charset="0"/>
+              </a:rPr>
+              <a:t>, </a:t>
+            </a:r>
+            <a:r>
+              <a:rPr lang="en-US" altLang="ko-KR" sz="1400" dirty="0" err="1">
+                <a:solidFill>
+                  <a:srgbClr val="C00000"/>
+                </a:solidFill>
+                <a:effectLst/>
+                <a:highlight>
+                  <a:srgbClr val="FFFFFF"/>
+                </a:highlight>
+                <a:latin typeface="Consolas" panose="020B0609020204030204" pitchFamily="49" charset="0"/>
+              </a:rPr>
+              <a:t>deleteMember</a:t>
+            </a:r>
+            <a:r>
+              <a:rPr lang="en-US" altLang="ko-KR" sz="1400" dirty="0">
+                <a:solidFill>
+                  <a:srgbClr val="C00000"/>
+                </a:solidFill>
+                <a:effectLst/>
+                <a:highlight>
+                  <a:srgbClr val="FFFFFF"/>
+                </a:highlight>
+                <a:latin typeface="Consolas" panose="020B0609020204030204" pitchFamily="49" charset="0"/>
+              </a:rPr>
+              <a:t>, </a:t>
+            </a:r>
+            <a:r>
+              <a:rPr lang="en-US" altLang="ko-KR" sz="1400" dirty="0" err="1">
+                <a:solidFill>
+                  <a:srgbClr val="C00000"/>
+                </a:solidFill>
+                <a:effectLst/>
+                <a:highlight>
+                  <a:srgbClr val="FFFFFF"/>
+                </a:highlight>
+                <a:latin typeface="Consolas" panose="020B0609020204030204" pitchFamily="49" charset="0"/>
+              </a:rPr>
+              <a:t>findMember</a:t>
+            </a:r>
+            <a:r>
+              <a:rPr lang="en-US" altLang="ko-KR" sz="1400" dirty="0">
+                <a:solidFill>
+                  <a:srgbClr val="C00000"/>
+                </a:solidFill>
+                <a:effectLst/>
+                <a:highlight>
+                  <a:srgbClr val="FFFFFF"/>
+                </a:highlight>
+                <a:latin typeface="Consolas" panose="020B0609020204030204" pitchFamily="49" charset="0"/>
+              </a:rPr>
+              <a:t>, </a:t>
+            </a:r>
+            <a:r>
+              <a:rPr lang="en-US" altLang="ko-KR" sz="1400" dirty="0" err="1">
+                <a:solidFill>
+                  <a:srgbClr val="C00000"/>
+                </a:solidFill>
+                <a:effectLst/>
+                <a:highlight>
+                  <a:srgbClr val="FFFFFF"/>
+                </a:highlight>
+                <a:latin typeface="Consolas" panose="020B0609020204030204" pitchFamily="49" charset="0"/>
+              </a:rPr>
+              <a:t>findAllMember</a:t>
+            </a:r>
+            <a:endParaRPr lang="en-US" altLang="ko-KR" sz="1400" dirty="0">
+              <a:solidFill>
+                <a:srgbClr val="C00000"/>
+              </a:solidFill>
+              <a:effectLst/>
+              <a:highlight>
+                <a:srgbClr val="FFFFFF"/>
+              </a:highlight>
+              <a:latin typeface="Consolas" panose="020B0609020204030204" pitchFamily="49" charset="0"/>
+            </a:endParaRPr>
           </a:p>
           <a:p>
             <a:pPr marL="0" marR="0">
-              <a:lnSpc>
-                <a:spcPct val="200000"/>
-              </a:lnSpc>
               <a:spcBef>
                 <a:spcPts val="0"/>
               </a:spcBef>
@@ -8618,36 +8055,18 @@
                 <a:spcPts val="0"/>
               </a:spcAft>
             </a:pPr>
-            <a:r>
-              <a:rPr lang="en-US" altLang="ko-KR" sz="1600" b="1" dirty="0">
-                <a:solidFill>
-                  <a:schemeClr val="tx1"/>
-                </a:solidFill>
-                <a:effectLst/>
-                <a:highlight>
-                  <a:srgbClr val="FFFFFF"/>
-                </a:highlight>
-              </a:rPr>
-              <a:t>2. </a:t>
-            </a:r>
-            <a:r>
-              <a:rPr lang="ko-KR" altLang="en-US" sz="1600" b="1" dirty="0">
-                <a:solidFill>
-                  <a:schemeClr val="tx1"/>
-                </a:solidFill>
-                <a:effectLst/>
-                <a:highlight>
-                  <a:srgbClr val="FFFFFF"/>
-                </a:highlight>
-              </a:rPr>
-              <a:t>회원 정보 수정</a:t>
-            </a:r>
+            <a:endParaRPr lang="en-US" altLang="ko-KR" sz="1400" dirty="0">
+              <a:solidFill>
+                <a:srgbClr val="C00000"/>
+              </a:solidFill>
+              <a:highlight>
+                <a:srgbClr val="FFFFFF"/>
+              </a:highlight>
+              <a:latin typeface="Consolas" panose="020B0609020204030204" pitchFamily="49" charset="0"/>
+            </a:endParaRPr>
           </a:p>
           <a:p>
             <a:pPr marL="0" marR="0">
-              <a:lnSpc>
-                <a:spcPct val="200000"/>
-              </a:lnSpc>
               <a:spcBef>
                 <a:spcPts val="0"/>
               </a:spcBef>
@@ -8655,36 +8074,18 @@
                 <a:spcPts val="0"/>
               </a:spcAft>
             </a:pPr>
-            <a:r>
-              <a:rPr lang="en-US" altLang="ko-KR" sz="1600" b="1" dirty="0">
-                <a:solidFill>
-                  <a:schemeClr val="tx1"/>
-                </a:solidFill>
-                <a:effectLst/>
-                <a:highlight>
-                  <a:srgbClr val="FFFFFF"/>
-                </a:highlight>
-              </a:rPr>
-              <a:t>3. </a:t>
-            </a:r>
-            <a:r>
-              <a:rPr lang="ko-KR" altLang="en-US" sz="1600" b="1" dirty="0">
-                <a:solidFill>
-                  <a:schemeClr val="tx1"/>
-                </a:solidFill>
-                <a:effectLst/>
-                <a:highlight>
-                  <a:srgbClr val="FFFFFF"/>
-                </a:highlight>
-              </a:rPr>
-              <a:t>회원 정보 삭제</a:t>
-            </a:r>
+            <a:endParaRPr lang="en-US" altLang="ko-KR" sz="1600" dirty="0">
+              <a:solidFill>
+                <a:srgbClr val="C00000"/>
+              </a:solidFill>
+              <a:highlight>
+                <a:srgbClr val="FFFFFF"/>
+              </a:highlight>
+              <a:latin typeface="Consolas" panose="020B0609020204030204" pitchFamily="49" charset="0"/>
+            </a:endParaRPr>
           </a:p>
           <a:p>
             <a:pPr marL="0" marR="0">
-              <a:lnSpc>
-                <a:spcPct val="200000"/>
-              </a:lnSpc>
               <a:spcBef>
                 <a:spcPts val="0"/>
               </a:spcBef>
@@ -8692,72 +8093,18 @@
                 <a:spcPts val="0"/>
               </a:spcAft>
             </a:pPr>
-            <a:r>
-              <a:rPr lang="en-US" altLang="ko-KR" sz="1600" b="1" dirty="0">
-                <a:solidFill>
-                  <a:schemeClr val="tx1"/>
-                </a:solidFill>
-                <a:effectLst/>
-                <a:highlight>
-                  <a:srgbClr val="FFFFFF"/>
-                </a:highlight>
-              </a:rPr>
-              <a:t>4. </a:t>
-            </a:r>
-            <a:r>
-              <a:rPr lang="ko-KR" altLang="en-US" sz="1600" b="1" dirty="0">
-                <a:solidFill>
-                  <a:schemeClr val="tx1"/>
-                </a:solidFill>
-                <a:effectLst/>
-                <a:highlight>
-                  <a:srgbClr val="FFFFFF"/>
-                </a:highlight>
-              </a:rPr>
-              <a:t>회원 정보 출력</a:t>
-            </a:r>
-            <a:r>
-              <a:rPr lang="en-US" altLang="ko-KR" sz="1600" b="1" dirty="0">
-                <a:solidFill>
-                  <a:schemeClr val="tx1"/>
-                </a:solidFill>
-                <a:effectLst/>
-                <a:highlight>
-                  <a:srgbClr val="FFFFFF"/>
-                </a:highlight>
-              </a:rPr>
-              <a:t>(</a:t>
-            </a:r>
-            <a:r>
-              <a:rPr lang="ko-KR" altLang="en-US" sz="1600" b="1" dirty="0">
-                <a:solidFill>
-                  <a:schemeClr val="tx1"/>
-                </a:solidFill>
-                <a:effectLst/>
-                <a:highlight>
-                  <a:srgbClr val="FFFFFF"/>
-                </a:highlight>
-              </a:rPr>
-              <a:t>이름</a:t>
-            </a:r>
-            <a:r>
-              <a:rPr lang="en-US" altLang="ko-KR" sz="1600" b="1" dirty="0">
-                <a:solidFill>
-                  <a:schemeClr val="tx1"/>
-                </a:solidFill>
-                <a:effectLst/>
-                <a:highlight>
-                  <a:srgbClr val="FFFFFF"/>
-                </a:highlight>
-              </a:rPr>
-              <a:t>)</a:t>
-            </a:r>
+            <a:endParaRPr lang="en-US" altLang="ko-KR" sz="1600" dirty="0">
+              <a:solidFill>
+                <a:srgbClr val="C00000"/>
+              </a:solidFill>
+              <a:highlight>
+                <a:srgbClr val="FFFFFF"/>
+              </a:highlight>
+              <a:latin typeface="Consolas" panose="020B0609020204030204" pitchFamily="49" charset="0"/>
+            </a:endParaRPr>
           </a:p>
           <a:p>
             <a:pPr marL="0" marR="0">
-              <a:lnSpc>
-                <a:spcPct val="200000"/>
-              </a:lnSpc>
               <a:spcBef>
                 <a:spcPts val="0"/>
               </a:spcBef>
@@ -8766,35 +8113,44 @@
               </a:spcAft>
             </a:pPr>
             <a:r>
-              <a:rPr lang="en-US" altLang="ko-KR" sz="1600" b="1" dirty="0">
-                <a:solidFill>
-                  <a:schemeClr val="tx1"/>
-                </a:solidFill>
-                <a:effectLst/>
-                <a:highlight>
-                  <a:srgbClr val="FFFFFF"/>
-                </a:highlight>
-              </a:rPr>
-              <a:t>5. </a:t>
-            </a:r>
-            <a:r>
-              <a:rPr lang="ko-KR" altLang="en-US" sz="1600" b="1" dirty="0">
-                <a:solidFill>
-                  <a:schemeClr val="tx1"/>
-                </a:solidFill>
-                <a:effectLst/>
-                <a:highlight>
-                  <a:srgbClr val="FFFFFF"/>
-                </a:highlight>
-              </a:rPr>
-              <a:t>회원 전체 정보 출력</a:t>
-            </a:r>
+              <a:rPr lang="en-US" altLang="ko-KR" sz="1400" dirty="0">
+                <a:solidFill>
+                  <a:srgbClr val="3F7F5F"/>
+                </a:solidFill>
+                <a:effectLst/>
+                <a:highlight>
+                  <a:srgbClr val="FFFFFF"/>
+                </a:highlight>
+                <a:latin typeface="Consolas" panose="020B0609020204030204" pitchFamily="49" charset="0"/>
+              </a:rPr>
+              <a:t>//</a:t>
+            </a:r>
+            <a:r>
+              <a:rPr lang="ko-KR" altLang="en-US" sz="1400" dirty="0">
+                <a:solidFill>
+                  <a:srgbClr val="3F7F5F"/>
+                </a:solidFill>
+                <a:effectLst/>
+                <a:highlight>
+                  <a:srgbClr val="FFFFFF"/>
+                </a:highlight>
+                <a:latin typeface="Consolas" panose="020B0609020204030204" pitchFamily="49" charset="0"/>
+              </a:rPr>
+              <a:t>저장</a:t>
+            </a:r>
+            <a:endParaRPr lang="ko-KR" altLang="en-US" sz="1400" dirty="0">
+              <a:solidFill>
+                <a:srgbClr val="000000"/>
+              </a:solidFill>
+              <a:effectLst/>
+              <a:highlight>
+                <a:srgbClr val="FFFFFF"/>
+              </a:highlight>
+              <a:latin typeface="Consolas" panose="020B0609020204030204" pitchFamily="49" charset="0"/>
+            </a:endParaRPr>
           </a:p>
           <a:p>
             <a:pPr marL="0" marR="0">
-              <a:lnSpc>
-                <a:spcPct val="200000"/>
-              </a:lnSpc>
               <a:spcBef>
                 <a:spcPts val="0"/>
               </a:spcBef>
@@ -8803,37 +8159,736 @@
               </a:spcAft>
             </a:pPr>
             <a:r>
-              <a:rPr lang="en-US" altLang="ko-KR" sz="1600" b="1" dirty="0">
-                <a:solidFill>
-                  <a:schemeClr val="tx1"/>
-                </a:solidFill>
-                <a:effectLst/>
-                <a:highlight>
-                  <a:srgbClr val="FFFFFF"/>
-                </a:highlight>
-              </a:rPr>
-              <a:t>6. </a:t>
-            </a:r>
-            <a:r>
-              <a:rPr lang="ko-KR" altLang="en-US" sz="1600" b="1" dirty="0">
-                <a:solidFill>
-                  <a:schemeClr val="tx1"/>
-                </a:solidFill>
-                <a:effectLst/>
-                <a:highlight>
-                  <a:srgbClr val="FFFFFF"/>
-                </a:highlight>
-              </a:rPr>
-              <a:t>프로그램 종료</a:t>
-            </a:r>
-            <a:endParaRPr lang="en-US" altLang="ko-KR" sz="1050" b="1" dirty="0">
+              <a:rPr lang="en-US" altLang="ko-KR" sz="1400" b="1" dirty="0">
+                <a:solidFill>
+                  <a:srgbClr val="7F0055"/>
+                </a:solidFill>
+                <a:effectLst/>
+                <a:highlight>
+                  <a:srgbClr val="FFFFFF"/>
+                </a:highlight>
+                <a:latin typeface="Consolas" panose="020B0609020204030204" pitchFamily="49" charset="0"/>
+              </a:rPr>
+              <a:t>public</a:t>
+            </a:r>
+            <a:r>
+              <a:rPr lang="en-US" altLang="ko-KR" sz="1400" dirty="0">
+                <a:solidFill>
+                  <a:srgbClr val="000000"/>
+                </a:solidFill>
+                <a:effectLst/>
+                <a:highlight>
+                  <a:srgbClr val="FFFFFF"/>
+                </a:highlight>
+                <a:latin typeface="Consolas" panose="020B0609020204030204" pitchFamily="49" charset="0"/>
+              </a:rPr>
+              <a:t> </a:t>
+            </a:r>
+            <a:r>
+              <a:rPr lang="en-US" altLang="ko-KR" sz="1400" b="1" dirty="0">
+                <a:solidFill>
+                  <a:srgbClr val="7F0055"/>
+                </a:solidFill>
+                <a:effectLst/>
+                <a:highlight>
+                  <a:srgbClr val="FFFFFF"/>
+                </a:highlight>
+                <a:latin typeface="Consolas" panose="020B0609020204030204" pitchFamily="49" charset="0"/>
+              </a:rPr>
+              <a:t>void</a:t>
+            </a:r>
+            <a:r>
+              <a:rPr lang="en-US" altLang="ko-KR" sz="1400" dirty="0">
+                <a:solidFill>
+                  <a:srgbClr val="000000"/>
+                </a:solidFill>
+                <a:effectLst/>
+                <a:highlight>
+                  <a:srgbClr val="FFFFFF"/>
+                </a:highlight>
+                <a:latin typeface="Consolas" panose="020B0609020204030204" pitchFamily="49" charset="0"/>
+              </a:rPr>
+              <a:t> </a:t>
+            </a:r>
+            <a:r>
+              <a:rPr lang="en-US" altLang="ko-KR" sz="1400" dirty="0" err="1">
+                <a:solidFill>
+                  <a:srgbClr val="000000"/>
+                </a:solidFill>
+                <a:effectLst/>
+                <a:highlight>
+                  <a:srgbClr val="FFFFFF"/>
+                </a:highlight>
+                <a:latin typeface="Consolas" panose="020B0609020204030204" pitchFamily="49" charset="0"/>
+              </a:rPr>
+              <a:t>insertMember</a:t>
+            </a:r>
+            <a:r>
+              <a:rPr lang="en-US" altLang="ko-KR" sz="1400" dirty="0">
+                <a:solidFill>
+                  <a:srgbClr val="000000"/>
+                </a:solidFill>
+                <a:effectLst/>
+                <a:highlight>
+                  <a:srgbClr val="FFFFFF"/>
+                </a:highlight>
+                <a:latin typeface="Consolas" panose="020B0609020204030204" pitchFamily="49" charset="0"/>
+              </a:rPr>
+              <a:t>(Member </a:t>
+            </a:r>
+            <a:r>
+              <a:rPr lang="en-US" altLang="ko-KR" sz="1400" dirty="0">
+                <a:solidFill>
+                  <a:srgbClr val="6A3E3E"/>
+                </a:solidFill>
+                <a:effectLst/>
+                <a:highlight>
+                  <a:srgbClr val="FFFFFF"/>
+                </a:highlight>
+                <a:latin typeface="Consolas" panose="020B0609020204030204" pitchFamily="49" charset="0"/>
+              </a:rPr>
+              <a:t>member</a:t>
+            </a:r>
+            <a:r>
+              <a:rPr lang="en-US" altLang="ko-KR" sz="1400" dirty="0">
+                <a:solidFill>
+                  <a:srgbClr val="000000"/>
+                </a:solidFill>
+                <a:effectLst/>
+                <a:highlight>
+                  <a:srgbClr val="FFFFFF"/>
+                </a:highlight>
+                <a:latin typeface="Consolas" panose="020B0609020204030204" pitchFamily="49" charset="0"/>
+              </a:rPr>
+              <a:t>)</a:t>
+            </a:r>
+            <a:br>
+              <a:rPr lang="en-US" altLang="ko-KR" sz="1400" dirty="0">
+                <a:solidFill>
+                  <a:srgbClr val="000000"/>
+                </a:solidFill>
+                <a:effectLst/>
+                <a:highlight>
+                  <a:srgbClr val="FFFFFF"/>
+                </a:highlight>
+                <a:latin typeface="Consolas" panose="020B0609020204030204" pitchFamily="49" charset="0"/>
+              </a:rPr>
+            </a:br>
+            <a:endParaRPr lang="en-US" altLang="ko-KR" sz="1400" dirty="0">
               <a:solidFill>
-                <a:schemeClr val="tx1"/>
+                <a:srgbClr val="000000"/>
               </a:solidFill>
               <a:effectLst/>
               <a:highlight>
                 <a:srgbClr val="FFFFFF"/>
               </a:highlight>
+              <a:latin typeface="Consolas" panose="020B0609020204030204" pitchFamily="49" charset="0"/>
+            </a:endParaRPr>
+          </a:p>
+          <a:p>
+            <a:pPr marL="0" marR="0">
+              <a:spcBef>
+                <a:spcPts val="0"/>
+              </a:spcBef>
+              <a:spcAft>
+                <a:spcPts val="0"/>
+              </a:spcAft>
+            </a:pPr>
+            <a:r>
+              <a:rPr lang="en-US" altLang="ko-KR" sz="1400" dirty="0">
+                <a:solidFill>
+                  <a:srgbClr val="3F7F5F"/>
+                </a:solidFill>
+                <a:effectLst/>
+                <a:highlight>
+                  <a:srgbClr val="FFFFFF"/>
+                </a:highlight>
+                <a:latin typeface="Consolas" panose="020B0609020204030204" pitchFamily="49" charset="0"/>
+              </a:rPr>
+              <a:t>//</a:t>
+            </a:r>
+            <a:r>
+              <a:rPr lang="ko-KR" altLang="en-US" sz="1400" dirty="0">
+                <a:solidFill>
+                  <a:srgbClr val="3F7F5F"/>
+                </a:solidFill>
+                <a:effectLst/>
+                <a:highlight>
+                  <a:srgbClr val="FFFFFF"/>
+                </a:highlight>
+                <a:latin typeface="Consolas" panose="020B0609020204030204" pitchFamily="49" charset="0"/>
+              </a:rPr>
+              <a:t>수정</a:t>
+            </a:r>
+            <a:endParaRPr lang="ko-KR" altLang="en-US" sz="1400" dirty="0">
+              <a:solidFill>
+                <a:srgbClr val="000000"/>
+              </a:solidFill>
+              <a:effectLst/>
+              <a:highlight>
+                <a:srgbClr val="FFFFFF"/>
+              </a:highlight>
+              <a:latin typeface="Consolas" panose="020B0609020204030204" pitchFamily="49" charset="0"/>
+            </a:endParaRPr>
+          </a:p>
+          <a:p>
+            <a:pPr marL="0" marR="0">
+              <a:spcBef>
+                <a:spcPts val="0"/>
+              </a:spcBef>
+              <a:spcAft>
+                <a:spcPts val="0"/>
+              </a:spcAft>
+            </a:pPr>
+            <a:r>
+              <a:rPr lang="en-US" altLang="ko-KR" sz="1400" b="1" dirty="0">
+                <a:solidFill>
+                  <a:srgbClr val="7F0055"/>
+                </a:solidFill>
+                <a:effectLst/>
+                <a:highlight>
+                  <a:srgbClr val="FFFFFF"/>
+                </a:highlight>
+                <a:latin typeface="Consolas" panose="020B0609020204030204" pitchFamily="49" charset="0"/>
+              </a:rPr>
+              <a:t>public</a:t>
+            </a:r>
+            <a:r>
+              <a:rPr lang="en-US" altLang="ko-KR" sz="1400" dirty="0">
+                <a:solidFill>
+                  <a:srgbClr val="000000"/>
+                </a:solidFill>
+                <a:effectLst/>
+                <a:highlight>
+                  <a:srgbClr val="FFFFFF"/>
+                </a:highlight>
+                <a:latin typeface="Consolas" panose="020B0609020204030204" pitchFamily="49" charset="0"/>
+              </a:rPr>
+              <a:t> </a:t>
+            </a:r>
+            <a:r>
+              <a:rPr lang="en-US" altLang="ko-KR" sz="1400" b="1" dirty="0">
+                <a:solidFill>
+                  <a:srgbClr val="7F0055"/>
+                </a:solidFill>
+                <a:effectLst/>
+                <a:highlight>
+                  <a:srgbClr val="FFFFFF"/>
+                </a:highlight>
+                <a:latin typeface="Consolas" panose="020B0609020204030204" pitchFamily="49" charset="0"/>
+              </a:rPr>
+              <a:t>void</a:t>
+            </a:r>
+            <a:r>
+              <a:rPr lang="en-US" altLang="ko-KR" sz="1400" dirty="0">
+                <a:solidFill>
+                  <a:srgbClr val="000000"/>
+                </a:solidFill>
+                <a:effectLst/>
+                <a:highlight>
+                  <a:srgbClr val="FFFFFF"/>
+                </a:highlight>
+                <a:latin typeface="Consolas" panose="020B0609020204030204" pitchFamily="49" charset="0"/>
+              </a:rPr>
+              <a:t> </a:t>
+            </a:r>
+            <a:r>
+              <a:rPr lang="en-US" altLang="ko-KR" sz="1400" dirty="0" err="1">
+                <a:solidFill>
+                  <a:srgbClr val="000000"/>
+                </a:solidFill>
+                <a:effectLst/>
+                <a:highlight>
+                  <a:srgbClr val="FFFFFF"/>
+                </a:highlight>
+                <a:latin typeface="Consolas" panose="020B0609020204030204" pitchFamily="49" charset="0"/>
+              </a:rPr>
+              <a:t>updateMember</a:t>
+            </a:r>
+            <a:r>
+              <a:rPr lang="en-US" altLang="ko-KR" sz="1400" dirty="0">
+                <a:solidFill>
+                  <a:srgbClr val="000000"/>
+                </a:solidFill>
+                <a:effectLst/>
+                <a:highlight>
+                  <a:srgbClr val="FFFFFF"/>
+                </a:highlight>
+                <a:latin typeface="Consolas" panose="020B0609020204030204" pitchFamily="49" charset="0"/>
+              </a:rPr>
+              <a:t>(Member </a:t>
+            </a:r>
+            <a:r>
+              <a:rPr lang="en-US" altLang="ko-KR" sz="1400" dirty="0">
+                <a:solidFill>
+                  <a:srgbClr val="6A3E3E"/>
+                </a:solidFill>
+                <a:effectLst/>
+                <a:highlight>
+                  <a:srgbClr val="FFFFFF"/>
+                </a:highlight>
+                <a:latin typeface="Consolas" panose="020B0609020204030204" pitchFamily="49" charset="0"/>
+              </a:rPr>
+              <a:t>member</a:t>
+            </a:r>
+            <a:r>
+              <a:rPr lang="en-US" altLang="ko-KR" sz="1400" dirty="0">
+                <a:solidFill>
+                  <a:srgbClr val="000000"/>
+                </a:solidFill>
+                <a:effectLst/>
+                <a:highlight>
+                  <a:srgbClr val="FFFFFF"/>
+                </a:highlight>
+                <a:latin typeface="Consolas" panose="020B0609020204030204" pitchFamily="49" charset="0"/>
+              </a:rPr>
+              <a:t>) </a:t>
+            </a:r>
+          </a:p>
+          <a:p>
+            <a:pPr marL="0" marR="0">
+              <a:spcBef>
+                <a:spcPts val="0"/>
+              </a:spcBef>
+              <a:spcAft>
+                <a:spcPts val="0"/>
+              </a:spcAft>
+            </a:pPr>
+            <a:endParaRPr lang="en-US" altLang="ko-KR" sz="1400" dirty="0">
+              <a:solidFill>
+                <a:srgbClr val="000000"/>
+              </a:solidFill>
+              <a:highlight>
+                <a:srgbClr val="FFFFFF"/>
+              </a:highlight>
+              <a:latin typeface="Consolas" panose="020B0609020204030204" pitchFamily="49" charset="0"/>
+            </a:endParaRPr>
+          </a:p>
+          <a:p>
+            <a:pPr marL="0" marR="0">
+              <a:spcBef>
+                <a:spcPts val="0"/>
+              </a:spcBef>
+              <a:spcAft>
+                <a:spcPts val="0"/>
+              </a:spcAft>
+            </a:pPr>
+            <a:r>
+              <a:rPr lang="en-US" altLang="ko-KR" sz="1400" dirty="0">
+                <a:solidFill>
+                  <a:srgbClr val="3F7F5F"/>
+                </a:solidFill>
+                <a:effectLst/>
+                <a:highlight>
+                  <a:srgbClr val="FFFFFF"/>
+                </a:highlight>
+                <a:latin typeface="Consolas" panose="020B0609020204030204" pitchFamily="49" charset="0"/>
+              </a:rPr>
+              <a:t>//</a:t>
+            </a:r>
+            <a:r>
+              <a:rPr lang="ko-KR" altLang="en-US" sz="1400" dirty="0">
+                <a:solidFill>
+                  <a:srgbClr val="3F7F5F"/>
+                </a:solidFill>
+                <a:effectLst/>
+                <a:highlight>
+                  <a:srgbClr val="FFFFFF"/>
+                </a:highlight>
+                <a:latin typeface="Consolas" panose="020B0609020204030204" pitchFamily="49" charset="0"/>
+              </a:rPr>
+              <a:t>삭제</a:t>
+            </a:r>
+            <a:endParaRPr lang="ko-KR" altLang="en-US" sz="1400" dirty="0">
+              <a:solidFill>
+                <a:srgbClr val="000000"/>
+              </a:solidFill>
+              <a:effectLst/>
+              <a:highlight>
+                <a:srgbClr val="FFFFFF"/>
+              </a:highlight>
+              <a:latin typeface="Consolas" panose="020B0609020204030204" pitchFamily="49" charset="0"/>
+            </a:endParaRPr>
+          </a:p>
+          <a:p>
+            <a:pPr marL="0" marR="0">
+              <a:spcBef>
+                <a:spcPts val="0"/>
+              </a:spcBef>
+              <a:spcAft>
+                <a:spcPts val="0"/>
+              </a:spcAft>
+            </a:pPr>
+            <a:r>
+              <a:rPr lang="en-US" altLang="ko-KR" sz="1400" b="1" dirty="0">
+                <a:solidFill>
+                  <a:srgbClr val="7F0055"/>
+                </a:solidFill>
+                <a:effectLst/>
+                <a:highlight>
+                  <a:srgbClr val="FFFFFF"/>
+                </a:highlight>
+                <a:latin typeface="Consolas" panose="020B0609020204030204" pitchFamily="49" charset="0"/>
+              </a:rPr>
+              <a:t>public</a:t>
+            </a:r>
+            <a:r>
+              <a:rPr lang="en-US" altLang="ko-KR" sz="1400" dirty="0">
+                <a:solidFill>
+                  <a:srgbClr val="000000"/>
+                </a:solidFill>
+                <a:effectLst/>
+                <a:highlight>
+                  <a:srgbClr val="FFFFFF"/>
+                </a:highlight>
+                <a:latin typeface="Consolas" panose="020B0609020204030204" pitchFamily="49" charset="0"/>
+              </a:rPr>
+              <a:t> </a:t>
+            </a:r>
+            <a:r>
+              <a:rPr lang="en-US" altLang="ko-KR" sz="1400" b="1" dirty="0">
+                <a:solidFill>
+                  <a:srgbClr val="7F0055"/>
+                </a:solidFill>
+                <a:effectLst/>
+                <a:highlight>
+                  <a:srgbClr val="FFFFFF"/>
+                </a:highlight>
+                <a:latin typeface="Consolas" panose="020B0609020204030204" pitchFamily="49" charset="0"/>
+              </a:rPr>
+              <a:t>void</a:t>
+            </a:r>
+            <a:r>
+              <a:rPr lang="en-US" altLang="ko-KR" sz="1400" dirty="0">
+                <a:solidFill>
+                  <a:srgbClr val="000000"/>
+                </a:solidFill>
+                <a:effectLst/>
+                <a:highlight>
+                  <a:srgbClr val="FFFFFF"/>
+                </a:highlight>
+                <a:latin typeface="Consolas" panose="020B0609020204030204" pitchFamily="49" charset="0"/>
+              </a:rPr>
+              <a:t> </a:t>
+            </a:r>
+            <a:r>
+              <a:rPr lang="en-US" altLang="ko-KR" sz="1400" dirty="0" err="1">
+                <a:solidFill>
+                  <a:srgbClr val="000000"/>
+                </a:solidFill>
+                <a:effectLst/>
+                <a:highlight>
+                  <a:srgbClr val="FFFFFF"/>
+                </a:highlight>
+                <a:latin typeface="Consolas" panose="020B0609020204030204" pitchFamily="49" charset="0"/>
+              </a:rPr>
+              <a:t>deleteMember</a:t>
+            </a:r>
+            <a:r>
+              <a:rPr lang="en-US" altLang="ko-KR" sz="1400" dirty="0">
+                <a:solidFill>
+                  <a:srgbClr val="000000"/>
+                </a:solidFill>
+                <a:effectLst/>
+                <a:highlight>
+                  <a:srgbClr val="FFFFFF"/>
+                </a:highlight>
+                <a:latin typeface="Consolas" panose="020B0609020204030204" pitchFamily="49" charset="0"/>
+              </a:rPr>
+              <a:t>(Member </a:t>
+            </a:r>
+            <a:r>
+              <a:rPr lang="en-US" altLang="ko-KR" sz="1400" dirty="0">
+                <a:solidFill>
+                  <a:srgbClr val="6A3E3E"/>
+                </a:solidFill>
+                <a:effectLst/>
+                <a:highlight>
+                  <a:srgbClr val="FFFFFF"/>
+                </a:highlight>
+                <a:latin typeface="Consolas" panose="020B0609020204030204" pitchFamily="49" charset="0"/>
+              </a:rPr>
+              <a:t>member</a:t>
+            </a:r>
+            <a:r>
+              <a:rPr lang="en-US" altLang="ko-KR" sz="1400" dirty="0">
+                <a:solidFill>
+                  <a:srgbClr val="000000"/>
+                </a:solidFill>
+                <a:effectLst/>
+                <a:highlight>
+                  <a:srgbClr val="FFFFFF"/>
+                </a:highlight>
+                <a:latin typeface="Consolas" panose="020B0609020204030204" pitchFamily="49" charset="0"/>
+              </a:rPr>
+              <a:t>)</a:t>
+            </a:r>
+          </a:p>
+          <a:p>
+            <a:pPr marL="0" marR="0">
+              <a:spcBef>
+                <a:spcPts val="0"/>
+              </a:spcBef>
+              <a:spcAft>
+                <a:spcPts val="0"/>
+              </a:spcAft>
+            </a:pPr>
+            <a:endParaRPr lang="en-US" altLang="ko-KR" sz="1400" dirty="0">
+              <a:solidFill>
+                <a:srgbClr val="000000"/>
+              </a:solidFill>
+              <a:highlight>
+                <a:srgbClr val="FFFFFF"/>
+              </a:highlight>
+              <a:latin typeface="Consolas" panose="020B0609020204030204" pitchFamily="49" charset="0"/>
+            </a:endParaRPr>
+          </a:p>
+          <a:p>
+            <a:pPr marL="0" marR="0">
+              <a:spcBef>
+                <a:spcPts val="0"/>
+              </a:spcBef>
+              <a:spcAft>
+                <a:spcPts val="0"/>
+              </a:spcAft>
+            </a:pPr>
+            <a:r>
+              <a:rPr lang="en-US" altLang="ko-KR" sz="1400" dirty="0">
+                <a:solidFill>
+                  <a:srgbClr val="3F7F5F"/>
+                </a:solidFill>
+                <a:effectLst/>
+                <a:highlight>
+                  <a:srgbClr val="FFFFFF"/>
+                </a:highlight>
+                <a:latin typeface="Consolas" panose="020B0609020204030204" pitchFamily="49" charset="0"/>
+              </a:rPr>
+              <a:t>//</a:t>
+            </a:r>
+            <a:r>
+              <a:rPr lang="ko-KR" altLang="en-US" sz="1400" dirty="0">
+                <a:solidFill>
+                  <a:srgbClr val="3F7F5F"/>
+                </a:solidFill>
+                <a:effectLst/>
+                <a:highlight>
+                  <a:srgbClr val="FFFFFF"/>
+                </a:highlight>
+                <a:latin typeface="Consolas" panose="020B0609020204030204" pitchFamily="49" charset="0"/>
+              </a:rPr>
+              <a:t>출력</a:t>
+            </a:r>
+            <a:endParaRPr lang="ko-KR" altLang="en-US" sz="1400" dirty="0">
+              <a:solidFill>
+                <a:srgbClr val="000000"/>
+              </a:solidFill>
+              <a:effectLst/>
+              <a:highlight>
+                <a:srgbClr val="FFFFFF"/>
+              </a:highlight>
+              <a:latin typeface="Consolas" panose="020B0609020204030204" pitchFamily="49" charset="0"/>
+            </a:endParaRPr>
+          </a:p>
+          <a:p>
+            <a:pPr marL="0" marR="0">
+              <a:spcBef>
+                <a:spcPts val="0"/>
+              </a:spcBef>
+              <a:spcAft>
+                <a:spcPts val="0"/>
+              </a:spcAft>
+            </a:pPr>
+            <a:r>
+              <a:rPr lang="en-US" altLang="ko-KR" sz="1400" b="1" dirty="0">
+                <a:solidFill>
+                  <a:srgbClr val="7F0055"/>
+                </a:solidFill>
+                <a:effectLst/>
+                <a:highlight>
+                  <a:srgbClr val="FFFFFF"/>
+                </a:highlight>
+                <a:latin typeface="Consolas" panose="020B0609020204030204" pitchFamily="49" charset="0"/>
+              </a:rPr>
+              <a:t>public</a:t>
+            </a:r>
+            <a:r>
+              <a:rPr lang="en-US" altLang="ko-KR" sz="1400" dirty="0">
+                <a:solidFill>
+                  <a:srgbClr val="000000"/>
+                </a:solidFill>
+                <a:effectLst/>
+                <a:highlight>
+                  <a:srgbClr val="FFFFFF"/>
+                </a:highlight>
+                <a:latin typeface="Consolas" panose="020B0609020204030204" pitchFamily="49" charset="0"/>
+              </a:rPr>
+              <a:t> List&lt;Member&gt; </a:t>
+            </a:r>
+            <a:r>
+              <a:rPr lang="en-US" altLang="ko-KR" sz="1400" dirty="0" err="1">
+                <a:solidFill>
+                  <a:srgbClr val="000000"/>
+                </a:solidFill>
+                <a:effectLst/>
+                <a:highlight>
+                  <a:srgbClr val="FFFFFF"/>
+                </a:highlight>
+                <a:latin typeface="Consolas" panose="020B0609020204030204" pitchFamily="49" charset="0"/>
+              </a:rPr>
+              <a:t>findMember</a:t>
+            </a:r>
+            <a:r>
+              <a:rPr lang="en-US" altLang="ko-KR" sz="1400" dirty="0">
+                <a:solidFill>
+                  <a:srgbClr val="000000"/>
+                </a:solidFill>
+                <a:effectLst/>
+                <a:highlight>
+                  <a:srgbClr val="FFFFFF"/>
+                </a:highlight>
+                <a:latin typeface="Consolas" panose="020B0609020204030204" pitchFamily="49" charset="0"/>
+              </a:rPr>
+              <a:t>()</a:t>
+            </a:r>
+            <a:br>
+              <a:rPr lang="en-US" altLang="ko-KR" sz="1400" dirty="0">
+                <a:solidFill>
+                  <a:srgbClr val="000000"/>
+                </a:solidFill>
+                <a:effectLst/>
+                <a:highlight>
+                  <a:srgbClr val="FFFFFF"/>
+                </a:highlight>
+                <a:latin typeface="Consolas" panose="020B0609020204030204" pitchFamily="49" charset="0"/>
+              </a:rPr>
+            </a:br>
+            <a:endParaRPr lang="en-US" altLang="ko-KR" sz="1400" dirty="0">
+              <a:solidFill>
+                <a:srgbClr val="000000"/>
+              </a:solidFill>
+              <a:effectLst/>
+              <a:highlight>
+                <a:srgbClr val="FFFFFF"/>
+              </a:highlight>
+              <a:latin typeface="Consolas" panose="020B0609020204030204" pitchFamily="49" charset="0"/>
+            </a:endParaRPr>
+          </a:p>
+          <a:p>
+            <a:pPr marL="0" marR="0">
+              <a:spcBef>
+                <a:spcPts val="0"/>
+              </a:spcBef>
+              <a:spcAft>
+                <a:spcPts val="0"/>
+              </a:spcAft>
+            </a:pPr>
+            <a:r>
+              <a:rPr lang="en-US" altLang="ko-KR" sz="1400" dirty="0">
+                <a:solidFill>
+                  <a:srgbClr val="3F7F5F"/>
+                </a:solidFill>
+                <a:effectLst/>
+                <a:highlight>
+                  <a:srgbClr val="FFFFFF"/>
+                </a:highlight>
+                <a:latin typeface="Consolas" panose="020B0609020204030204" pitchFamily="49" charset="0"/>
+              </a:rPr>
+              <a:t>//</a:t>
+            </a:r>
+            <a:r>
+              <a:rPr lang="ko-KR" altLang="en-US" sz="1400" dirty="0">
+                <a:solidFill>
+                  <a:srgbClr val="3F7F5F"/>
+                </a:solidFill>
+                <a:effectLst/>
+                <a:highlight>
+                  <a:srgbClr val="FFFFFF"/>
+                </a:highlight>
+                <a:latin typeface="Consolas" panose="020B0609020204030204" pitchFamily="49" charset="0"/>
+              </a:rPr>
+              <a:t>전체출력</a:t>
+            </a:r>
+            <a:endParaRPr lang="ko-KR" altLang="en-US" sz="1400" dirty="0">
+              <a:solidFill>
+                <a:srgbClr val="000000"/>
+              </a:solidFill>
+              <a:effectLst/>
+              <a:highlight>
+                <a:srgbClr val="FFFFFF"/>
+              </a:highlight>
+              <a:latin typeface="Consolas" panose="020B0609020204030204" pitchFamily="49" charset="0"/>
+            </a:endParaRPr>
+          </a:p>
+          <a:p>
+            <a:pPr marL="0" marR="0">
+              <a:spcBef>
+                <a:spcPts val="0"/>
+              </a:spcBef>
+              <a:spcAft>
+                <a:spcPts val="0"/>
+              </a:spcAft>
+            </a:pPr>
+            <a:r>
+              <a:rPr lang="en-US" altLang="ko-KR" sz="1400" b="1" dirty="0">
+                <a:solidFill>
+                  <a:srgbClr val="7F0055"/>
+                </a:solidFill>
+                <a:effectLst/>
+                <a:highlight>
+                  <a:srgbClr val="FFFFFF"/>
+                </a:highlight>
+                <a:latin typeface="Consolas" panose="020B0609020204030204" pitchFamily="49" charset="0"/>
+              </a:rPr>
+              <a:t>public</a:t>
+            </a:r>
+            <a:r>
+              <a:rPr lang="en-US" altLang="ko-KR" sz="1400" dirty="0">
+                <a:solidFill>
+                  <a:srgbClr val="000000"/>
+                </a:solidFill>
+                <a:effectLst/>
+                <a:highlight>
+                  <a:srgbClr val="FFFFFF"/>
+                </a:highlight>
+                <a:latin typeface="Consolas" panose="020B0609020204030204" pitchFamily="49" charset="0"/>
+              </a:rPr>
+              <a:t> List&lt;Member&gt; </a:t>
+            </a:r>
+            <a:r>
+              <a:rPr lang="en-US" altLang="ko-KR" sz="1400" dirty="0" err="1">
+                <a:solidFill>
+                  <a:srgbClr val="000000"/>
+                </a:solidFill>
+                <a:effectLst/>
+                <a:highlight>
+                  <a:srgbClr val="FFFFFF"/>
+                </a:highlight>
+                <a:latin typeface="Consolas" panose="020B0609020204030204" pitchFamily="49" charset="0"/>
+              </a:rPr>
+              <a:t>findAllMember</a:t>
+            </a:r>
+            <a:r>
+              <a:rPr lang="en-US" altLang="ko-KR" sz="1400" dirty="0">
+                <a:solidFill>
+                  <a:srgbClr val="000000"/>
+                </a:solidFill>
+                <a:effectLst/>
+                <a:highlight>
+                  <a:srgbClr val="FFFFFF"/>
+                </a:highlight>
+                <a:latin typeface="Consolas" panose="020B0609020204030204" pitchFamily="49" charset="0"/>
+              </a:rPr>
+              <a:t>()</a:t>
+            </a:r>
+            <a:endParaRPr lang="en-US" altLang="ko-KR" sz="1000" dirty="0">
+              <a:solidFill>
+                <a:srgbClr val="C00000"/>
+              </a:solidFill>
+              <a:effectLst/>
+              <a:highlight>
+                <a:srgbClr val="FFFFFF"/>
+              </a:highlight>
+              <a:latin typeface="Consolas" panose="020B0609020204030204" pitchFamily="49" charset="0"/>
             </a:endParaRPr>
           </a:p>
         </p:txBody>
@@ -8841,7 +8896,7 @@
     </p:spTree>
     <p:extLst>
       <p:ext uri="{BB962C8B-B14F-4D97-AF65-F5344CB8AC3E}">
-        <p14:creationId xmlns:p14="http://schemas.microsoft.com/office/powerpoint/2010/main" val="1572129481"/>
+        <p14:creationId xmlns:p14="http://schemas.microsoft.com/office/powerpoint/2010/main" val="4174357496"/>
       </p:ext>
     </p:extLst>
   </p:cSld>
